--- a/Background Research/Storyboard - Jomin George.pptx
+++ b/Background Research/Storyboard - Jomin George.pptx
@@ -8383,7 +8383,7 @@
         </p:blipFill>
         <p:spPr>
           <a:xfrm>
-            <a:off x="3164552" y="2615981"/>
+            <a:off x="3164552" y="2574791"/>
             <a:ext cx="784266" cy="784266"/>
           </a:xfrm>
           <a:prstGeom prst="rect">
@@ -8457,7 +8457,7 @@
         </p:nvSpPr>
         <p:spPr>
           <a:xfrm>
-            <a:off x="2507133" y="3400247"/>
+            <a:off x="2507133" y="3359057"/>
             <a:ext cx="2122018" cy="246221"/>
           </a:xfrm>
           <a:prstGeom prst="rect">
@@ -8496,7 +8496,7 @@
         </p:nvSpPr>
         <p:spPr>
           <a:xfrm>
-            <a:off x="2507133" y="3575221"/>
+            <a:off x="2507133" y="3534031"/>
             <a:ext cx="2122018" cy="184666"/>
           </a:xfrm>
           <a:prstGeom prst="rect">
@@ -8529,16 +8529,16 @@
       </p:sp>
       <p:sp>
         <p:nvSpPr>
-          <p:cNvPr id="59" name="Rectangle 58"/>
+          <p:cNvPr id="59" name="Rounded Rectangle 58"/>
           <p:cNvSpPr/>
           <p:nvPr/>
         </p:nvSpPr>
         <p:spPr>
           <a:xfrm>
-            <a:off x="2581489" y="3804231"/>
-            <a:ext cx="911013" cy="325809"/>
-          </a:xfrm>
-          <a:prstGeom prst="rect">
+            <a:off x="2593329" y="4375881"/>
+            <a:ext cx="1974035" cy="163227"/>
+          </a:xfrm>
+          <a:prstGeom prst="roundRect">
             <a:avLst/>
           </a:prstGeom>
           <a:noFill/>
@@ -8568,23 +8568,222 @@
           <a:bodyPr rtlCol="0" anchor="ctr"/>
           <a:lstStyle/>
           <a:p>
+            <a:endParaRPr lang="en-GB" sz="1100" dirty="0">
+              <a:solidFill>
+                <a:schemeClr val="tx2">
+                  <a:lumMod val="40000"/>
+                  <a:lumOff val="60000"/>
+                </a:schemeClr>
+              </a:solidFill>
+            </a:endParaRPr>
+          </a:p>
+        </p:txBody>
+      </p:sp>
+      <p:pic>
+        <p:nvPicPr>
+          <p:cNvPr id="2" name="Picture 1"/>
+          <p:cNvPicPr>
+            <a:picLocks noChangeAspect="1"/>
+          </p:cNvPicPr>
+          <p:nvPr/>
+        </p:nvPicPr>
+        <p:blipFill>
+          <a:blip r:embed="rId6"/>
+          <a:stretch>
+            <a:fillRect/>
+          </a:stretch>
+        </p:blipFill>
+        <p:spPr>
+          <a:xfrm>
+            <a:off x="3948817" y="3245637"/>
+            <a:ext cx="82343" cy="82343"/>
+          </a:xfrm>
+          <a:prstGeom prst="rect">
+            <a:avLst/>
+          </a:prstGeom>
+        </p:spPr>
+      </p:pic>
+      <p:sp>
+        <p:nvSpPr>
+          <p:cNvPr id="19" name="TextBox 18"/>
+          <p:cNvSpPr txBox="1"/>
+          <p:nvPr/>
+        </p:nvSpPr>
+        <p:spPr>
+          <a:xfrm>
+            <a:off x="3954549" y="3199674"/>
+            <a:ext cx="733874" cy="184666"/>
+          </a:xfrm>
+          <a:prstGeom prst="rect">
+            <a:avLst/>
+          </a:prstGeom>
+          <a:noFill/>
+        </p:spPr>
+        <p:txBody>
+          <a:bodyPr wrap="square" rtlCol="0">
+            <a:spAutoFit/>
+          </a:bodyPr>
+          <a:lstStyle/>
+          <a:p>
             <a:pPr algn="ctr"/>
-            <a:endParaRPr lang="en-GB"/>
-          </a:p>
-        </p:txBody>
-      </p:sp>
-      <p:sp>
-        <p:nvSpPr>
-          <p:cNvPr id="61" name="Rectangle 60"/>
+            <a:r>
+              <a:rPr lang="en-GB" sz="600" dirty="0" smtClean="0">
+                <a:solidFill>
+                  <a:schemeClr val="bg1"/>
+                </a:solidFill>
+              </a:rPr>
+              <a:t>Change Picture</a:t>
+            </a:r>
+            <a:endParaRPr lang="en-GB" sz="600" dirty="0">
+              <a:solidFill>
+                <a:schemeClr val="bg1"/>
+              </a:solidFill>
+            </a:endParaRPr>
+          </a:p>
+        </p:txBody>
+      </p:sp>
+      <p:pic>
+        <p:nvPicPr>
+          <p:cNvPr id="7" name="Picture 6"/>
+          <p:cNvPicPr>
+            <a:picLocks noChangeAspect="1"/>
+          </p:cNvPicPr>
+          <p:nvPr/>
+        </p:nvPicPr>
+        <p:blipFill>
+          <a:blip r:embed="rId7"/>
+          <a:stretch>
+            <a:fillRect/>
+          </a:stretch>
+        </p:blipFill>
+        <p:spPr>
+          <a:xfrm>
+            <a:off x="2525143" y="2359065"/>
+            <a:ext cx="218394" cy="164649"/>
+          </a:xfrm>
+          <a:prstGeom prst="rect">
+            <a:avLst/>
+          </a:prstGeom>
+        </p:spPr>
+      </p:pic>
+      <p:sp>
+        <p:nvSpPr>
+          <p:cNvPr id="22" name="TextBox 21"/>
+          <p:cNvSpPr txBox="1"/>
+          <p:nvPr/>
+        </p:nvSpPr>
+        <p:spPr>
+          <a:xfrm>
+            <a:off x="4070978" y="5105827"/>
+            <a:ext cx="558173" cy="253916"/>
+          </a:xfrm>
+          <a:prstGeom prst="rect">
+            <a:avLst/>
+          </a:prstGeom>
+          <a:noFill/>
+        </p:spPr>
+        <p:txBody>
+          <a:bodyPr wrap="square" rtlCol="0">
+            <a:spAutoFit/>
+          </a:bodyPr>
+          <a:lstStyle/>
+          <a:p>
+            <a:r>
+              <a:rPr lang="en-GB" sz="1050" b="1" dirty="0" smtClean="0">
+                <a:solidFill>
+                  <a:schemeClr val="bg1"/>
+                </a:solidFill>
+              </a:rPr>
+              <a:t>Done</a:t>
+            </a:r>
+            <a:endParaRPr lang="en-GB" sz="1000" b="1" dirty="0">
+              <a:solidFill>
+                <a:schemeClr val="bg1"/>
+              </a:solidFill>
+            </a:endParaRPr>
+          </a:p>
+        </p:txBody>
+      </p:sp>
+      <p:pic>
+        <p:nvPicPr>
+          <p:cNvPr id="8" name="Picture 7"/>
+          <p:cNvPicPr>
+            <a:picLocks noChangeAspect="1"/>
+          </p:cNvPicPr>
+          <p:nvPr/>
+        </p:nvPicPr>
+        <p:blipFill>
+          <a:blip r:embed="rId8"/>
+          <a:stretch>
+            <a:fillRect/>
+          </a:stretch>
+        </p:blipFill>
+        <p:spPr>
+          <a:xfrm>
+            <a:off x="2633114" y="4417806"/>
+            <a:ext cx="93479" cy="58425"/>
+          </a:xfrm>
+          <a:prstGeom prst="rect">
+            <a:avLst/>
+          </a:prstGeom>
+        </p:spPr>
+      </p:pic>
+      <p:sp>
+        <p:nvSpPr>
+          <p:cNvPr id="10" name="TextBox 9"/>
+          <p:cNvSpPr txBox="1"/>
+          <p:nvPr/>
+        </p:nvSpPr>
+        <p:spPr>
+          <a:xfrm>
+            <a:off x="2665564" y="4354443"/>
+            <a:ext cx="744114" cy="200055"/>
+          </a:xfrm>
+          <a:prstGeom prst="rect">
+            <a:avLst/>
+          </a:prstGeom>
+          <a:noFill/>
+        </p:spPr>
+        <p:txBody>
+          <a:bodyPr wrap="none" rtlCol="0">
+            <a:spAutoFit/>
+          </a:bodyPr>
+          <a:lstStyle/>
+          <a:p>
+            <a:r>
+              <a:rPr lang="en-GB" sz="700" dirty="0" smtClean="0">
+                <a:solidFill>
+                  <a:schemeClr val="tx2">
+                    <a:lumMod val="40000"/>
+                    <a:lumOff val="60000"/>
+                  </a:schemeClr>
+                </a:solidFill>
+              </a:rPr>
+              <a:t>Email Address</a:t>
+            </a:r>
+            <a:endParaRPr lang="en-GB" sz="700" dirty="0">
+              <a:solidFill>
+                <a:schemeClr val="tx2">
+                  <a:lumMod val="40000"/>
+                  <a:lumOff val="60000"/>
+                </a:schemeClr>
+              </a:solidFill>
+            </a:endParaRPr>
+          </a:p>
+        </p:txBody>
+      </p:sp>
+      <p:sp>
+        <p:nvSpPr>
+          <p:cNvPr id="27" name="Rounded Rectangle 26"/>
           <p:cNvSpPr/>
           <p:nvPr/>
         </p:nvSpPr>
         <p:spPr>
           <a:xfrm>
-            <a:off x="3595794" y="3795230"/>
-            <a:ext cx="911013" cy="325809"/>
-          </a:xfrm>
-          <a:prstGeom prst="rect">
+            <a:off x="2593329" y="4672735"/>
+            <a:ext cx="1974035" cy="163227"/>
+          </a:xfrm>
+          <a:prstGeom prst="roundRect">
             <a:avLst/>
           </a:prstGeom>
           <a:noFill/>
@@ -8614,23 +8813,97 @@
           <a:bodyPr rtlCol="0" anchor="ctr"/>
           <a:lstStyle/>
           <a:p>
-            <a:pPr algn="ctr"/>
-            <a:endParaRPr lang="en-GB"/>
-          </a:p>
-        </p:txBody>
-      </p:sp>
-      <p:sp>
-        <p:nvSpPr>
-          <p:cNvPr id="62" name="Rectangle 61"/>
+            <a:endParaRPr lang="en-GB" sz="1100" dirty="0">
+              <a:solidFill>
+                <a:schemeClr val="tx2">
+                  <a:lumMod val="40000"/>
+                  <a:lumOff val="60000"/>
+                </a:schemeClr>
+              </a:solidFill>
+            </a:endParaRPr>
+          </a:p>
+        </p:txBody>
+      </p:sp>
+      <p:pic>
+        <p:nvPicPr>
+          <p:cNvPr id="11" name="Picture 10"/>
+          <p:cNvPicPr>
+            <a:picLocks noChangeAspect="1"/>
+          </p:cNvPicPr>
+          <p:nvPr/>
+        </p:nvPicPr>
+        <p:blipFill>
+          <a:blip r:embed="rId9"/>
+          <a:stretch>
+            <a:fillRect/>
+          </a:stretch>
+        </p:blipFill>
+        <p:spPr>
+          <a:xfrm>
+            <a:off x="2626610" y="4705047"/>
+            <a:ext cx="106486" cy="106486"/>
+          </a:xfrm>
+          <a:prstGeom prst="rect">
+            <a:avLst/>
+          </a:prstGeom>
+        </p:spPr>
+      </p:pic>
+      <p:sp>
+        <p:nvSpPr>
+          <p:cNvPr id="30" name="TextBox 29"/>
+          <p:cNvSpPr txBox="1"/>
+          <p:nvPr/>
+        </p:nvSpPr>
+        <p:spPr>
+          <a:xfrm>
+            <a:off x="2665564" y="4659520"/>
+            <a:ext cx="840295" cy="200055"/>
+          </a:xfrm>
+          <a:prstGeom prst="rect">
+            <a:avLst/>
+          </a:prstGeom>
+          <a:noFill/>
+        </p:spPr>
+        <p:txBody>
+          <a:bodyPr wrap="none" rtlCol="0">
+            <a:spAutoFit/>
+          </a:bodyPr>
+          <a:lstStyle/>
+          <a:p>
+            <a:r>
+              <a:rPr lang="en-GB" sz="700" dirty="0" smtClean="0">
+                <a:solidFill>
+                  <a:schemeClr val="tx2">
+                    <a:lumMod val="40000"/>
+                    <a:lumOff val="60000"/>
+                  </a:schemeClr>
+                </a:solidFill>
+              </a:rPr>
+              <a:t>Contact Number</a:t>
+            </a:r>
+            <a:endParaRPr lang="en-GB" sz="700" dirty="0">
+              <a:solidFill>
+                <a:schemeClr val="tx2">
+                  <a:lumMod val="40000"/>
+                  <a:lumOff val="60000"/>
+                </a:schemeClr>
+              </a:solidFill>
+            </a:endParaRPr>
+          </a:p>
+        </p:txBody>
+      </p:sp>
+      <p:sp>
+        <p:nvSpPr>
+          <p:cNvPr id="33" name="Rounded Rectangle 32"/>
           <p:cNvSpPr/>
           <p:nvPr/>
         </p:nvSpPr>
         <p:spPr>
           <a:xfrm>
-            <a:off x="2581489" y="4196367"/>
-            <a:ext cx="911013" cy="325809"/>
-          </a:xfrm>
-          <a:prstGeom prst="rect">
+            <a:off x="2593330" y="3776846"/>
+            <a:ext cx="1974035" cy="163227"/>
+          </a:xfrm>
+          <a:prstGeom prst="roundRect">
             <a:avLst/>
           </a:prstGeom>
           <a:noFill/>
@@ -8660,23 +8933,97 @@
           <a:bodyPr rtlCol="0" anchor="ctr"/>
           <a:lstStyle/>
           <a:p>
-            <a:pPr algn="ctr"/>
-            <a:endParaRPr lang="en-GB"/>
-          </a:p>
-        </p:txBody>
-      </p:sp>
-      <p:sp>
-        <p:nvSpPr>
-          <p:cNvPr id="63" name="Rectangle 62"/>
+            <a:endParaRPr lang="en-GB" sz="1100" dirty="0">
+              <a:solidFill>
+                <a:schemeClr val="tx2">
+                  <a:lumMod val="40000"/>
+                  <a:lumOff val="60000"/>
+                </a:schemeClr>
+              </a:solidFill>
+            </a:endParaRPr>
+          </a:p>
+        </p:txBody>
+      </p:sp>
+      <p:pic>
+        <p:nvPicPr>
+          <p:cNvPr id="12" name="Picture 11"/>
+          <p:cNvPicPr>
+            <a:picLocks noChangeAspect="1"/>
+          </p:cNvPicPr>
+          <p:nvPr/>
+        </p:nvPicPr>
+        <p:blipFill>
+          <a:blip r:embed="rId10"/>
+          <a:stretch>
+            <a:fillRect/>
+          </a:stretch>
+        </p:blipFill>
+        <p:spPr>
+          <a:xfrm>
+            <a:off x="2614770" y="3806604"/>
+            <a:ext cx="109134" cy="91880"/>
+          </a:xfrm>
+          <a:prstGeom prst="rect">
+            <a:avLst/>
+          </a:prstGeom>
+        </p:spPr>
+      </p:pic>
+      <p:sp>
+        <p:nvSpPr>
+          <p:cNvPr id="34" name="TextBox 33"/>
+          <p:cNvSpPr txBox="1"/>
+          <p:nvPr/>
+        </p:nvSpPr>
+        <p:spPr>
+          <a:xfrm>
+            <a:off x="2647999" y="3758548"/>
+            <a:ext cx="479618" cy="200055"/>
+          </a:xfrm>
+          <a:prstGeom prst="rect">
+            <a:avLst/>
+          </a:prstGeom>
+          <a:noFill/>
+        </p:spPr>
+        <p:txBody>
+          <a:bodyPr wrap="none" rtlCol="0">
+            <a:spAutoFit/>
+          </a:bodyPr>
+          <a:lstStyle/>
+          <a:p>
+            <a:r>
+              <a:rPr lang="en-GB" sz="700" dirty="0" smtClean="0">
+                <a:solidFill>
+                  <a:schemeClr val="tx2">
+                    <a:lumMod val="40000"/>
+                    <a:lumOff val="60000"/>
+                  </a:schemeClr>
+                </a:solidFill>
+              </a:rPr>
+              <a:t>Gender</a:t>
+            </a:r>
+            <a:endParaRPr lang="en-GB" sz="700" dirty="0">
+              <a:solidFill>
+                <a:schemeClr val="tx2">
+                  <a:lumMod val="40000"/>
+                  <a:lumOff val="60000"/>
+                </a:schemeClr>
+              </a:solidFill>
+            </a:endParaRPr>
+          </a:p>
+        </p:txBody>
+      </p:sp>
+      <p:sp>
+        <p:nvSpPr>
+          <p:cNvPr id="35" name="Rounded Rectangle 34"/>
           <p:cNvSpPr/>
           <p:nvPr/>
         </p:nvSpPr>
         <p:spPr>
           <a:xfrm>
-            <a:off x="3595794" y="4187366"/>
-            <a:ext cx="911013" cy="325809"/>
-          </a:xfrm>
-          <a:prstGeom prst="rect">
+            <a:off x="2581489" y="4069196"/>
+            <a:ext cx="1974035" cy="163227"/>
+          </a:xfrm>
+          <a:prstGeom prst="roundRect">
             <a:avLst/>
           </a:prstGeom>
           <a:noFill/>
@@ -8706,52 +9053,131 @@
           <a:bodyPr rtlCol="0" anchor="ctr"/>
           <a:lstStyle/>
           <a:p>
-            <a:pPr algn="ctr"/>
-            <a:endParaRPr lang="en-GB"/>
+            <a:endParaRPr lang="en-GB" sz="1100" dirty="0">
+              <a:solidFill>
+                <a:schemeClr val="tx2">
+                  <a:lumMod val="40000"/>
+                  <a:lumOff val="60000"/>
+                </a:schemeClr>
+              </a:solidFill>
+            </a:endParaRPr>
           </a:p>
         </p:txBody>
       </p:sp>
       <p:pic>
         <p:nvPicPr>
-          <p:cNvPr id="1030" name="Picture 6" descr="http://icons.iconarchive.com/icons/iconsmind/outline/512/Email-icon.png"/>
+          <p:cNvPr id="13" name="Picture 12"/>
           <p:cNvPicPr>
-            <a:picLocks noChangeAspect="1" noChangeArrowheads="1"/>
+            <a:picLocks noChangeAspect="1"/>
           </p:cNvPicPr>
           <p:nvPr/>
         </p:nvPicPr>
         <p:blipFill>
-          <a:blip r:embed="rId6" cstate="print">
-            <a:extLst>
-              <a:ext uri="{28A0092B-C50C-407E-A947-70E740481C1C}">
-                <a14:useLocalDpi xmlns:a14="http://schemas.microsoft.com/office/drawing/2010/main" val="0"/>
-              </a:ext>
-            </a:extLst>
-          </a:blip>
-          <a:srcRect/>
+          <a:blip r:embed="rId11"/>
           <a:stretch>
             <a:fillRect/>
           </a:stretch>
         </p:blipFill>
-        <p:spPr bwMode="auto">
-          <a:xfrm>
-            <a:off x="2681052" y="3817191"/>
-            <a:ext cx="303848" cy="303848"/>
+        <p:spPr>
+          <a:xfrm>
+            <a:off x="2607286" y="4092322"/>
+            <a:ext cx="116618" cy="116618"/>
+          </a:xfrm>
+          <a:prstGeom prst="rect">
+            <a:avLst/>
+          </a:prstGeom>
+        </p:spPr>
+      </p:pic>
+      <p:sp>
+        <p:nvSpPr>
+          <p:cNvPr id="36" name="TextBox 35"/>
+          <p:cNvSpPr txBox="1"/>
+          <p:nvPr/>
+        </p:nvSpPr>
+        <p:spPr>
+          <a:xfrm>
+            <a:off x="2665564" y="4053943"/>
+            <a:ext cx="561372" cy="200055"/>
           </a:xfrm>
           <a:prstGeom prst="rect">
             <a:avLst/>
           </a:prstGeom>
           <a:noFill/>
-          <a:extLst>
-            <a:ext uri="{909E8E84-426E-40DD-AFC4-6F175D3DCCD1}">
-              <a14:hiddenFill xmlns:a14="http://schemas.microsoft.com/office/drawing/2010/main">
-                <a:solidFill>
-                  <a:srgbClr val="FFFFFF"/>
-                </a:solidFill>
-              </a14:hiddenFill>
-            </a:ext>
-          </a:extLst>
-        </p:spPr>
-      </p:pic>
+        </p:spPr>
+        <p:txBody>
+          <a:bodyPr wrap="none" rtlCol="0">
+            <a:spAutoFit/>
+          </a:bodyPr>
+          <a:lstStyle/>
+          <a:p>
+            <a:r>
+              <a:rPr lang="en-GB" sz="700" dirty="0" smtClean="0">
+                <a:solidFill>
+                  <a:schemeClr val="tx2">
+                    <a:lumMod val="40000"/>
+                    <a:lumOff val="60000"/>
+                  </a:schemeClr>
+                </a:solidFill>
+              </a:rPr>
+              <a:t>Language</a:t>
+            </a:r>
+            <a:endParaRPr lang="en-GB" sz="700" dirty="0">
+              <a:solidFill>
+                <a:schemeClr val="tx2">
+                  <a:lumMod val="40000"/>
+                  <a:lumOff val="60000"/>
+                </a:schemeClr>
+              </a:solidFill>
+            </a:endParaRPr>
+          </a:p>
+        </p:txBody>
+      </p:sp>
+      <p:sp>
+        <p:nvSpPr>
+          <p:cNvPr id="14" name="Isosceles Triangle 13"/>
+          <p:cNvSpPr/>
+          <p:nvPr/>
+        </p:nvSpPr>
+        <p:spPr>
+          <a:xfrm rot="10800000">
+            <a:off x="4389887" y="4113189"/>
+            <a:ext cx="113533" cy="51229"/>
+          </a:xfrm>
+          <a:prstGeom prst="triangle">
+            <a:avLst/>
+          </a:prstGeom>
+          <a:noFill/>
+          <a:ln w="6350">
+            <a:solidFill>
+              <a:schemeClr val="bg1"/>
+            </a:solidFill>
+          </a:ln>
+        </p:spPr>
+        <p:style>
+          <a:lnRef idx="2">
+            <a:schemeClr val="accent1">
+              <a:shade val="50000"/>
+            </a:schemeClr>
+          </a:lnRef>
+          <a:fillRef idx="1">
+            <a:schemeClr val="accent1"/>
+          </a:fillRef>
+          <a:effectRef idx="0">
+            <a:schemeClr val="accent1"/>
+          </a:effectRef>
+          <a:fontRef idx="minor">
+            <a:schemeClr val="lt1"/>
+          </a:fontRef>
+        </p:style>
+        <p:txBody>
+          <a:bodyPr rtlCol="0" anchor="ctr"/>
+          <a:lstStyle/>
+          <a:p>
+            <a:pPr algn="ctr"/>
+            <a:endParaRPr lang="en-GB"/>
+          </a:p>
+        </p:txBody>
+      </p:sp>
     </p:spTree>
     <p:extLst>
       <p:ext uri="{BB962C8B-B14F-4D97-AF65-F5344CB8AC3E}">

--- a/Background Research/Storyboard - Jomin George.pptx
+++ b/Background Research/Storyboard - Jomin George.pptx
@@ -5,13 +5,14 @@
     <p:sldMasterId id="2147483660" r:id="rId1"/>
   </p:sldMasterIdLst>
   <p:notesMasterIdLst>
-    <p:notesMasterId r:id="rId6"/>
+    <p:notesMasterId r:id="rId7"/>
   </p:notesMasterIdLst>
   <p:sldIdLst>
     <p:sldId id="261" r:id="rId2"/>
-    <p:sldId id="257" r:id="rId3"/>
-    <p:sldId id="262" r:id="rId4"/>
-    <p:sldId id="263" r:id="rId5"/>
+    <p:sldId id="264" r:id="rId3"/>
+    <p:sldId id="257" r:id="rId4"/>
+    <p:sldId id="262" r:id="rId5"/>
+    <p:sldId id="263" r:id="rId6"/>
   </p:sldIdLst>
   <p:sldSz cx="12192000" cy="6858000"/>
   <p:notesSz cx="6858000" cy="9144000"/>
@@ -6525,114 +6526,24 @@
         </p:nvSpPr>
         <p:spPr>
           <a:xfrm>
-            <a:off x="677334" y="609600"/>
+            <a:off x="677334" y="200025"/>
             <a:ext cx="8596668" cy="1153297"/>
           </a:xfrm>
         </p:spPr>
         <p:txBody>
           <a:bodyPr>
-            <a:normAutofit fontScale="90000"/>
+            <a:normAutofit/>
           </a:bodyPr>
           <a:lstStyle/>
           <a:p>
             <a:r>
               <a:rPr lang="en-US" dirty="0" smtClean="0"/>
-              <a:t>Sign In, Sign Up and Forgot Password Screen</a:t>
+              <a:t>Structure </a:t>
             </a:r>
             <a:endParaRPr lang="en-GB" dirty="0"/>
           </a:p>
         </p:txBody>
       </p:sp>
-      <p:pic>
-        <p:nvPicPr>
-          <p:cNvPr id="4" name="Picture 3"/>
-          <p:cNvPicPr>
-            <a:picLocks noChangeAspect="1"/>
-          </p:cNvPicPr>
-          <p:nvPr/>
-        </p:nvPicPr>
-        <p:blipFill>
-          <a:blip r:embed="rId2" cstate="print">
-            <a:extLst>
-              <a:ext uri="{28A0092B-C50C-407E-A947-70E740481C1C}">
-                <a14:useLocalDpi xmlns:a14="http://schemas.microsoft.com/office/drawing/2010/main" val="0"/>
-              </a:ext>
-            </a:extLst>
-          </a:blip>
-          <a:stretch>
-            <a:fillRect/>
-          </a:stretch>
-        </p:blipFill>
-        <p:spPr>
-          <a:xfrm>
-            <a:off x="3826140" y="1841728"/>
-            <a:ext cx="2241216" cy="3958965"/>
-          </a:xfrm>
-          <a:prstGeom prst="rect">
-            <a:avLst/>
-          </a:prstGeom>
-        </p:spPr>
-      </p:pic>
-      <p:pic>
-        <p:nvPicPr>
-          <p:cNvPr id="21" name="Picture 20"/>
-          <p:cNvPicPr>
-            <a:picLocks noChangeAspect="1"/>
-          </p:cNvPicPr>
-          <p:nvPr/>
-        </p:nvPicPr>
-        <p:blipFill>
-          <a:blip r:embed="rId3" cstate="print">
-            <a:extLst>
-              <a:ext uri="{28A0092B-C50C-407E-A947-70E740481C1C}">
-                <a14:useLocalDpi xmlns:a14="http://schemas.microsoft.com/office/drawing/2010/main" val="0"/>
-              </a:ext>
-            </a:extLst>
-          </a:blip>
-          <a:stretch>
-            <a:fillRect/>
-          </a:stretch>
-        </p:blipFill>
-        <p:spPr>
-          <a:xfrm>
-            <a:off x="1290842" y="2675539"/>
-            <a:ext cx="1769857" cy="3125154"/>
-          </a:xfrm>
-          <a:prstGeom prst="rect">
-            <a:avLst/>
-          </a:prstGeom>
-        </p:spPr>
-      </p:pic>
-      <p:pic>
-        <p:nvPicPr>
-          <p:cNvPr id="38" name="Picture 37"/>
-          <p:cNvPicPr>
-            <a:picLocks noChangeAspect="1"/>
-          </p:cNvPicPr>
-          <p:nvPr/>
-        </p:nvPicPr>
-        <p:blipFill>
-          <a:blip r:embed="rId4" cstate="print">
-            <a:extLst>
-              <a:ext uri="{28A0092B-C50C-407E-A947-70E740481C1C}">
-                <a14:useLocalDpi xmlns:a14="http://schemas.microsoft.com/office/drawing/2010/main" val="0"/>
-              </a:ext>
-            </a:extLst>
-          </a:blip>
-          <a:stretch>
-            <a:fillRect/>
-          </a:stretch>
-        </p:blipFill>
-        <p:spPr>
-          <a:xfrm>
-            <a:off x="6922776" y="2675539"/>
-            <a:ext cx="1769858" cy="3125154"/>
-          </a:xfrm>
-          <a:prstGeom prst="rect">
-            <a:avLst/>
-          </a:prstGeom>
-        </p:spPr>
-      </p:pic>
       <p:sp>
         <p:nvSpPr>
           <p:cNvPr id="39" name="Date Placeholder 38"/>
@@ -6719,14 +6630,1400 @@
               <a:rPr lang="en-GB" smtClean="0"/>
               <a:t>2</a:t>
             </a:fld>
-            <a:endParaRPr lang="en-GB"/>
+            <a:endParaRPr lang="en-GB" dirty="0"/>
+          </a:p>
+        </p:txBody>
+      </p:sp>
+      <p:sp>
+        <p:nvSpPr>
+          <p:cNvPr id="9" name="Rounded Rectangle 8"/>
+          <p:cNvSpPr/>
+          <p:nvPr/>
+        </p:nvSpPr>
+        <p:spPr>
+          <a:xfrm>
+            <a:off x="3762375" y="1353322"/>
+            <a:ext cx="1171575" cy="352426"/>
+          </a:xfrm>
+          <a:prstGeom prst="roundRect">
+            <a:avLst/>
+          </a:prstGeom>
+          <a:solidFill>
+            <a:schemeClr val="bg2">
+              <a:lumMod val="50000"/>
+            </a:schemeClr>
+          </a:solidFill>
+          <a:ln>
+            <a:solidFill>
+              <a:schemeClr val="tx2"/>
+            </a:solidFill>
+          </a:ln>
+        </p:spPr>
+        <p:style>
+          <a:lnRef idx="0">
+            <a:schemeClr val="accent2"/>
+          </a:lnRef>
+          <a:fillRef idx="3">
+            <a:schemeClr val="accent2"/>
+          </a:fillRef>
+          <a:effectRef idx="3">
+            <a:schemeClr val="accent2"/>
+          </a:effectRef>
+          <a:fontRef idx="minor">
+            <a:schemeClr val="lt1"/>
+          </a:fontRef>
+        </p:style>
+        <p:txBody>
+          <a:bodyPr rtlCol="0" anchor="ctr"/>
+          <a:lstStyle/>
+          <a:p>
+            <a:pPr algn="ctr"/>
+            <a:r>
+              <a:rPr lang="en-GB" sz="1000" dirty="0" smtClean="0">
+                <a:ln>
+                  <a:solidFill>
+                    <a:schemeClr val="bg1">
+                      <a:lumMod val="95000"/>
+                    </a:schemeClr>
+                  </a:solidFill>
+                </a:ln>
+                <a:solidFill>
+                  <a:schemeClr val="bg1"/>
+                </a:solidFill>
+              </a:rPr>
+              <a:t>Login</a:t>
+            </a:r>
+            <a:endParaRPr lang="en-GB" sz="1000" dirty="0">
+              <a:ln>
+                <a:solidFill>
+                  <a:schemeClr val="bg1">
+                    <a:lumMod val="95000"/>
+                  </a:schemeClr>
+                </a:solidFill>
+              </a:ln>
+              <a:solidFill>
+                <a:schemeClr val="bg1"/>
+              </a:solidFill>
+            </a:endParaRPr>
+          </a:p>
+        </p:txBody>
+      </p:sp>
+      <p:cxnSp>
+        <p:nvCxnSpPr>
+          <p:cNvPr id="10" name="Straight Connector 9"/>
+          <p:cNvCxnSpPr>
+            <a:stCxn id="9" idx="2"/>
+          </p:cNvCxnSpPr>
+          <p:nvPr/>
+        </p:nvCxnSpPr>
+        <p:spPr>
+          <a:xfrm>
+            <a:off x="4348163" y="1705748"/>
+            <a:ext cx="1" cy="285748"/>
+          </a:xfrm>
+          <a:prstGeom prst="line">
+            <a:avLst/>
+          </a:prstGeom>
+          <a:ln>
+            <a:solidFill>
+              <a:schemeClr val="tx2"/>
+            </a:solidFill>
+          </a:ln>
+        </p:spPr>
+        <p:style>
+          <a:lnRef idx="1">
+            <a:schemeClr val="accent1"/>
+          </a:lnRef>
+          <a:fillRef idx="0">
+            <a:schemeClr val="accent1"/>
+          </a:fillRef>
+          <a:effectRef idx="0">
+            <a:schemeClr val="accent1"/>
+          </a:effectRef>
+          <a:fontRef idx="minor">
+            <a:schemeClr val="tx1"/>
+          </a:fontRef>
+        </p:style>
+      </p:cxnSp>
+      <p:cxnSp>
+        <p:nvCxnSpPr>
+          <p:cNvPr id="11" name="Straight Connector 10"/>
+          <p:cNvCxnSpPr/>
+          <p:nvPr/>
+        </p:nvCxnSpPr>
+        <p:spPr>
+          <a:xfrm flipH="1">
+            <a:off x="788988" y="1991496"/>
+            <a:ext cx="3559174" cy="0"/>
+          </a:xfrm>
+          <a:prstGeom prst="line">
+            <a:avLst/>
+          </a:prstGeom>
+          <a:ln>
+            <a:solidFill>
+              <a:schemeClr val="tx2"/>
+            </a:solidFill>
+          </a:ln>
+        </p:spPr>
+        <p:style>
+          <a:lnRef idx="1">
+            <a:schemeClr val="accent1"/>
+          </a:lnRef>
+          <a:fillRef idx="0">
+            <a:schemeClr val="accent1"/>
+          </a:fillRef>
+          <a:effectRef idx="0">
+            <a:schemeClr val="accent1"/>
+          </a:effectRef>
+          <a:fontRef idx="minor">
+            <a:schemeClr val="tx1"/>
+          </a:fontRef>
+        </p:style>
+      </p:cxnSp>
+      <p:cxnSp>
+        <p:nvCxnSpPr>
+          <p:cNvPr id="12" name="Straight Arrow Connector 11"/>
+          <p:cNvCxnSpPr/>
+          <p:nvPr/>
+        </p:nvCxnSpPr>
+        <p:spPr>
+          <a:xfrm>
+            <a:off x="788988" y="1991496"/>
+            <a:ext cx="0" cy="285750"/>
+          </a:xfrm>
+          <a:prstGeom prst="straightConnector1">
+            <a:avLst/>
+          </a:prstGeom>
+          <a:ln>
+            <a:solidFill>
+              <a:schemeClr val="tx2"/>
+            </a:solidFill>
+            <a:tailEnd type="triangle"/>
+          </a:ln>
+        </p:spPr>
+        <p:style>
+          <a:lnRef idx="1">
+            <a:schemeClr val="accent1"/>
+          </a:lnRef>
+          <a:fillRef idx="0">
+            <a:schemeClr val="accent1"/>
+          </a:fillRef>
+          <a:effectRef idx="0">
+            <a:schemeClr val="accent1"/>
+          </a:effectRef>
+          <a:fontRef idx="minor">
+            <a:schemeClr val="tx1"/>
+          </a:fontRef>
+        </p:style>
+      </p:cxnSp>
+      <p:sp>
+        <p:nvSpPr>
+          <p:cNvPr id="13" name="Rounded Rectangle 12"/>
+          <p:cNvSpPr/>
+          <p:nvPr/>
+        </p:nvSpPr>
+        <p:spPr>
+          <a:xfrm>
+            <a:off x="203200" y="2277245"/>
+            <a:ext cx="1171575" cy="352426"/>
+          </a:xfrm>
+          <a:prstGeom prst="roundRect">
+            <a:avLst/>
+          </a:prstGeom>
+          <a:solidFill>
+            <a:schemeClr val="bg2">
+              <a:lumMod val="50000"/>
+            </a:schemeClr>
+          </a:solidFill>
+          <a:ln>
+            <a:solidFill>
+              <a:schemeClr val="tx2"/>
+            </a:solidFill>
+          </a:ln>
+        </p:spPr>
+        <p:style>
+          <a:lnRef idx="0">
+            <a:schemeClr val="accent2"/>
+          </a:lnRef>
+          <a:fillRef idx="3">
+            <a:schemeClr val="accent2"/>
+          </a:fillRef>
+          <a:effectRef idx="3">
+            <a:schemeClr val="accent2"/>
+          </a:effectRef>
+          <a:fontRef idx="minor">
+            <a:schemeClr val="lt1"/>
+          </a:fontRef>
+        </p:style>
+        <p:txBody>
+          <a:bodyPr rtlCol="0" anchor="ctr"/>
+          <a:lstStyle/>
+          <a:p>
+            <a:pPr algn="ctr"/>
+            <a:r>
+              <a:rPr lang="en-GB" sz="1050" dirty="0" smtClean="0">
+                <a:ln>
+                  <a:solidFill>
+                    <a:schemeClr val="bg1">
+                      <a:lumMod val="95000"/>
+                    </a:schemeClr>
+                  </a:solidFill>
+                </a:ln>
+                <a:solidFill>
+                  <a:schemeClr val="bg1"/>
+                </a:solidFill>
+              </a:rPr>
+              <a:t>Forgot-password</a:t>
+            </a:r>
+            <a:endParaRPr lang="en-GB" sz="1050" dirty="0">
+              <a:ln>
+                <a:solidFill>
+                  <a:schemeClr val="bg1">
+                    <a:lumMod val="95000"/>
+                  </a:schemeClr>
+                </a:solidFill>
+              </a:ln>
+              <a:solidFill>
+                <a:schemeClr val="bg1"/>
+              </a:solidFill>
+            </a:endParaRPr>
+          </a:p>
+        </p:txBody>
+      </p:sp>
+      <p:cxnSp>
+        <p:nvCxnSpPr>
+          <p:cNvPr id="14" name="Straight Connector 13"/>
+          <p:cNvCxnSpPr/>
+          <p:nvPr/>
+        </p:nvCxnSpPr>
+        <p:spPr>
+          <a:xfrm flipH="1">
+            <a:off x="4348163" y="1991496"/>
+            <a:ext cx="1376362" cy="0"/>
+          </a:xfrm>
+          <a:prstGeom prst="line">
+            <a:avLst/>
+          </a:prstGeom>
+          <a:ln>
+            <a:solidFill>
+              <a:schemeClr val="tx2"/>
+            </a:solidFill>
+          </a:ln>
+        </p:spPr>
+        <p:style>
+          <a:lnRef idx="1">
+            <a:schemeClr val="accent1"/>
+          </a:lnRef>
+          <a:fillRef idx="0">
+            <a:schemeClr val="accent1"/>
+          </a:fillRef>
+          <a:effectRef idx="0">
+            <a:schemeClr val="accent1"/>
+          </a:effectRef>
+          <a:fontRef idx="minor">
+            <a:schemeClr val="tx1"/>
+          </a:fontRef>
+        </p:style>
+      </p:cxnSp>
+      <p:cxnSp>
+        <p:nvCxnSpPr>
+          <p:cNvPr id="15" name="Straight Arrow Connector 14"/>
+          <p:cNvCxnSpPr/>
+          <p:nvPr/>
+        </p:nvCxnSpPr>
+        <p:spPr>
+          <a:xfrm>
+            <a:off x="5734050" y="1991496"/>
+            <a:ext cx="0" cy="285750"/>
+          </a:xfrm>
+          <a:prstGeom prst="straightConnector1">
+            <a:avLst/>
+          </a:prstGeom>
+          <a:ln>
+            <a:solidFill>
+              <a:schemeClr val="tx2"/>
+            </a:solidFill>
+            <a:tailEnd type="triangle"/>
+          </a:ln>
+        </p:spPr>
+        <p:style>
+          <a:lnRef idx="1">
+            <a:schemeClr val="accent1"/>
+          </a:lnRef>
+          <a:fillRef idx="0">
+            <a:schemeClr val="accent1"/>
+          </a:fillRef>
+          <a:effectRef idx="0">
+            <a:schemeClr val="accent1"/>
+          </a:effectRef>
+          <a:fontRef idx="minor">
+            <a:schemeClr val="tx1"/>
+          </a:fontRef>
+        </p:style>
+      </p:cxnSp>
+      <p:sp>
+        <p:nvSpPr>
+          <p:cNvPr id="16" name="Rounded Rectangle 15"/>
+          <p:cNvSpPr/>
+          <p:nvPr/>
+        </p:nvSpPr>
+        <p:spPr>
+          <a:xfrm>
+            <a:off x="5138737" y="2277245"/>
+            <a:ext cx="1171575" cy="352426"/>
+          </a:xfrm>
+          <a:prstGeom prst="roundRect">
+            <a:avLst/>
+          </a:prstGeom>
+          <a:solidFill>
+            <a:schemeClr val="bg2">
+              <a:lumMod val="50000"/>
+            </a:schemeClr>
+          </a:solidFill>
+          <a:ln>
+            <a:solidFill>
+              <a:schemeClr val="tx2"/>
+            </a:solidFill>
+          </a:ln>
+        </p:spPr>
+        <p:style>
+          <a:lnRef idx="0">
+            <a:schemeClr val="accent2"/>
+          </a:lnRef>
+          <a:fillRef idx="3">
+            <a:schemeClr val="accent2"/>
+          </a:fillRef>
+          <a:effectRef idx="3">
+            <a:schemeClr val="accent2"/>
+          </a:effectRef>
+          <a:fontRef idx="minor">
+            <a:schemeClr val="lt1"/>
+          </a:fontRef>
+        </p:style>
+        <p:txBody>
+          <a:bodyPr rtlCol="0" anchor="ctr"/>
+          <a:lstStyle/>
+          <a:p>
+            <a:pPr algn="ctr"/>
+            <a:r>
+              <a:rPr lang="en-GB" sz="1050" dirty="0" smtClean="0">
+                <a:ln>
+                  <a:solidFill>
+                    <a:schemeClr val="bg1">
+                      <a:lumMod val="95000"/>
+                    </a:schemeClr>
+                  </a:solidFill>
+                </a:ln>
+                <a:solidFill>
+                  <a:schemeClr val="bg1"/>
+                </a:solidFill>
+              </a:rPr>
+              <a:t>Homepage</a:t>
+            </a:r>
+            <a:endParaRPr lang="en-GB" sz="1050" dirty="0">
+              <a:ln>
+                <a:solidFill>
+                  <a:schemeClr val="bg1">
+                    <a:lumMod val="95000"/>
+                  </a:schemeClr>
+                </a:solidFill>
+              </a:ln>
+              <a:solidFill>
+                <a:schemeClr val="bg1"/>
+              </a:solidFill>
+            </a:endParaRPr>
+          </a:p>
+        </p:txBody>
+      </p:sp>
+      <p:cxnSp>
+        <p:nvCxnSpPr>
+          <p:cNvPr id="17" name="Straight Connector 16"/>
+          <p:cNvCxnSpPr/>
+          <p:nvPr/>
+        </p:nvCxnSpPr>
+        <p:spPr>
+          <a:xfrm flipH="1">
+            <a:off x="678180" y="2915421"/>
+            <a:ext cx="4857752" cy="0"/>
+          </a:xfrm>
+          <a:prstGeom prst="line">
+            <a:avLst/>
+          </a:prstGeom>
+          <a:ln>
+            <a:solidFill>
+              <a:schemeClr val="tx2"/>
+            </a:solidFill>
+          </a:ln>
+        </p:spPr>
+        <p:style>
+          <a:lnRef idx="1">
+            <a:schemeClr val="accent1"/>
+          </a:lnRef>
+          <a:fillRef idx="0">
+            <a:schemeClr val="accent1"/>
+          </a:fillRef>
+          <a:effectRef idx="0">
+            <a:schemeClr val="accent1"/>
+          </a:effectRef>
+          <a:fontRef idx="minor">
+            <a:schemeClr val="tx1"/>
+          </a:fontRef>
+        </p:style>
+      </p:cxnSp>
+      <p:cxnSp>
+        <p:nvCxnSpPr>
+          <p:cNvPr id="18" name="Straight Connector 17"/>
+          <p:cNvCxnSpPr/>
+          <p:nvPr/>
+        </p:nvCxnSpPr>
+        <p:spPr>
+          <a:xfrm>
+            <a:off x="5734050" y="2629671"/>
+            <a:ext cx="1" cy="285748"/>
+          </a:xfrm>
+          <a:prstGeom prst="line">
+            <a:avLst/>
+          </a:prstGeom>
+          <a:ln>
+            <a:solidFill>
+              <a:schemeClr val="tx2"/>
+            </a:solidFill>
+          </a:ln>
+        </p:spPr>
+        <p:style>
+          <a:lnRef idx="1">
+            <a:schemeClr val="accent1"/>
+          </a:lnRef>
+          <a:fillRef idx="0">
+            <a:schemeClr val="accent1"/>
+          </a:fillRef>
+          <a:effectRef idx="0">
+            <a:schemeClr val="accent1"/>
+          </a:effectRef>
+          <a:fontRef idx="minor">
+            <a:schemeClr val="tx1"/>
+          </a:fontRef>
+        </p:style>
+      </p:cxnSp>
+      <p:cxnSp>
+        <p:nvCxnSpPr>
+          <p:cNvPr id="19" name="Straight Connector 18"/>
+          <p:cNvCxnSpPr/>
+          <p:nvPr/>
+        </p:nvCxnSpPr>
+        <p:spPr>
+          <a:xfrm flipH="1">
+            <a:off x="5535932" y="2915419"/>
+            <a:ext cx="3934664" cy="0"/>
+          </a:xfrm>
+          <a:prstGeom prst="line">
+            <a:avLst/>
+          </a:prstGeom>
+          <a:ln>
+            <a:solidFill>
+              <a:schemeClr val="tx2"/>
+            </a:solidFill>
+          </a:ln>
+        </p:spPr>
+        <p:style>
+          <a:lnRef idx="1">
+            <a:schemeClr val="accent1"/>
+          </a:lnRef>
+          <a:fillRef idx="0">
+            <a:schemeClr val="accent1"/>
+          </a:fillRef>
+          <a:effectRef idx="0">
+            <a:schemeClr val="accent1"/>
+          </a:effectRef>
+          <a:fontRef idx="minor">
+            <a:schemeClr val="tx1"/>
+          </a:fontRef>
+        </p:style>
+      </p:cxnSp>
+      <p:cxnSp>
+        <p:nvCxnSpPr>
+          <p:cNvPr id="20" name="Straight Arrow Connector 19"/>
+          <p:cNvCxnSpPr/>
+          <p:nvPr/>
+        </p:nvCxnSpPr>
+        <p:spPr>
+          <a:xfrm>
+            <a:off x="667068" y="2915419"/>
+            <a:ext cx="0" cy="285750"/>
+          </a:xfrm>
+          <a:prstGeom prst="straightConnector1">
+            <a:avLst/>
+          </a:prstGeom>
+          <a:ln>
+            <a:solidFill>
+              <a:schemeClr val="tx2"/>
+            </a:solidFill>
+            <a:tailEnd type="triangle"/>
+          </a:ln>
+        </p:spPr>
+        <p:style>
+          <a:lnRef idx="1">
+            <a:schemeClr val="accent1"/>
+          </a:lnRef>
+          <a:fillRef idx="0">
+            <a:schemeClr val="accent1"/>
+          </a:fillRef>
+          <a:effectRef idx="0">
+            <a:schemeClr val="accent1"/>
+          </a:effectRef>
+          <a:fontRef idx="minor">
+            <a:schemeClr val="tx1"/>
+          </a:fontRef>
+        </p:style>
+      </p:cxnSp>
+      <p:sp>
+        <p:nvSpPr>
+          <p:cNvPr id="22" name="Rounded Rectangle 21"/>
+          <p:cNvSpPr/>
+          <p:nvPr/>
+        </p:nvSpPr>
+        <p:spPr>
+          <a:xfrm>
+            <a:off x="81280" y="3227369"/>
+            <a:ext cx="1171575" cy="352426"/>
+          </a:xfrm>
+          <a:prstGeom prst="roundRect">
+            <a:avLst/>
+          </a:prstGeom>
+          <a:solidFill>
+            <a:schemeClr val="bg2">
+              <a:lumMod val="50000"/>
+            </a:schemeClr>
+          </a:solidFill>
+          <a:ln>
+            <a:solidFill>
+              <a:schemeClr val="tx2"/>
+            </a:solidFill>
+          </a:ln>
+        </p:spPr>
+        <p:style>
+          <a:lnRef idx="0">
+            <a:schemeClr val="accent2"/>
+          </a:lnRef>
+          <a:fillRef idx="3">
+            <a:schemeClr val="accent2"/>
+          </a:fillRef>
+          <a:effectRef idx="3">
+            <a:schemeClr val="accent2"/>
+          </a:effectRef>
+          <a:fontRef idx="minor">
+            <a:schemeClr val="lt1"/>
+          </a:fontRef>
+        </p:style>
+        <p:txBody>
+          <a:bodyPr rtlCol="0" anchor="ctr"/>
+          <a:lstStyle/>
+          <a:p>
+            <a:pPr algn="ctr"/>
+            <a:r>
+              <a:rPr lang="en-GB" sz="1050" dirty="0" smtClean="0">
+                <a:ln>
+                  <a:solidFill>
+                    <a:schemeClr val="bg1">
+                      <a:lumMod val="95000"/>
+                    </a:schemeClr>
+                  </a:solidFill>
+                </a:ln>
+                <a:solidFill>
+                  <a:schemeClr val="bg1"/>
+                </a:solidFill>
+              </a:rPr>
+              <a:t>Profile</a:t>
+            </a:r>
+            <a:endParaRPr lang="en-GB" sz="1050" dirty="0">
+              <a:ln>
+                <a:solidFill>
+                  <a:schemeClr val="bg1">
+                    <a:lumMod val="95000"/>
+                  </a:schemeClr>
+                </a:solidFill>
+              </a:ln>
+              <a:solidFill>
+                <a:schemeClr val="bg1"/>
+              </a:solidFill>
+            </a:endParaRPr>
+          </a:p>
+        </p:txBody>
+      </p:sp>
+      <p:cxnSp>
+        <p:nvCxnSpPr>
+          <p:cNvPr id="23" name="Straight Arrow Connector 22"/>
+          <p:cNvCxnSpPr/>
+          <p:nvPr/>
+        </p:nvCxnSpPr>
+        <p:spPr>
+          <a:xfrm>
+            <a:off x="2137392" y="2921363"/>
+            <a:ext cx="0" cy="285750"/>
+          </a:xfrm>
+          <a:prstGeom prst="straightConnector1">
+            <a:avLst/>
+          </a:prstGeom>
+          <a:ln>
+            <a:solidFill>
+              <a:schemeClr val="tx2"/>
+            </a:solidFill>
+            <a:tailEnd type="triangle"/>
+          </a:ln>
+        </p:spPr>
+        <p:style>
+          <a:lnRef idx="1">
+            <a:schemeClr val="accent1"/>
+          </a:lnRef>
+          <a:fillRef idx="0">
+            <a:schemeClr val="accent1"/>
+          </a:fillRef>
+          <a:effectRef idx="0">
+            <a:schemeClr val="accent1"/>
+          </a:effectRef>
+          <a:fontRef idx="minor">
+            <a:schemeClr val="tx1"/>
+          </a:fontRef>
+        </p:style>
+      </p:cxnSp>
+      <p:sp>
+        <p:nvSpPr>
+          <p:cNvPr id="24" name="Rounded Rectangle 23"/>
+          <p:cNvSpPr/>
+          <p:nvPr/>
+        </p:nvSpPr>
+        <p:spPr>
+          <a:xfrm>
+            <a:off x="1551604" y="3217833"/>
+            <a:ext cx="1171575" cy="352426"/>
+          </a:xfrm>
+          <a:prstGeom prst="roundRect">
+            <a:avLst/>
+          </a:prstGeom>
+          <a:solidFill>
+            <a:schemeClr val="bg2">
+              <a:lumMod val="50000"/>
+            </a:schemeClr>
+          </a:solidFill>
+          <a:ln>
+            <a:solidFill>
+              <a:schemeClr val="tx2"/>
+            </a:solidFill>
+          </a:ln>
+        </p:spPr>
+        <p:style>
+          <a:lnRef idx="0">
+            <a:schemeClr val="accent2"/>
+          </a:lnRef>
+          <a:fillRef idx="3">
+            <a:schemeClr val="accent2"/>
+          </a:fillRef>
+          <a:effectRef idx="3">
+            <a:schemeClr val="accent2"/>
+          </a:effectRef>
+          <a:fontRef idx="minor">
+            <a:schemeClr val="lt1"/>
+          </a:fontRef>
+        </p:style>
+        <p:txBody>
+          <a:bodyPr rtlCol="0" anchor="ctr"/>
+          <a:lstStyle/>
+          <a:p>
+            <a:pPr algn="ctr"/>
+            <a:r>
+              <a:rPr lang="en-GB" sz="1050" dirty="0" smtClean="0">
+                <a:ln>
+                  <a:solidFill>
+                    <a:schemeClr val="bg1">
+                      <a:lumMod val="95000"/>
+                    </a:schemeClr>
+                  </a:solidFill>
+                </a:ln>
+                <a:solidFill>
+                  <a:schemeClr val="bg1"/>
+                </a:solidFill>
+              </a:rPr>
+              <a:t>Find Services</a:t>
+            </a:r>
+            <a:endParaRPr lang="en-GB" sz="1050" dirty="0">
+              <a:ln>
+                <a:solidFill>
+                  <a:schemeClr val="bg1">
+                    <a:lumMod val="95000"/>
+                  </a:schemeClr>
+                </a:solidFill>
+              </a:ln>
+              <a:solidFill>
+                <a:schemeClr val="bg1"/>
+              </a:solidFill>
+            </a:endParaRPr>
+          </a:p>
+        </p:txBody>
+      </p:sp>
+      <p:cxnSp>
+        <p:nvCxnSpPr>
+          <p:cNvPr id="25" name="Straight Arrow Connector 24"/>
+          <p:cNvCxnSpPr/>
+          <p:nvPr/>
+        </p:nvCxnSpPr>
+        <p:spPr>
+          <a:xfrm>
+            <a:off x="6539932" y="2915418"/>
+            <a:ext cx="0" cy="275030"/>
+          </a:xfrm>
+          <a:prstGeom prst="straightConnector1">
+            <a:avLst/>
+          </a:prstGeom>
+          <a:ln>
+            <a:solidFill>
+              <a:schemeClr val="tx2"/>
+            </a:solidFill>
+            <a:tailEnd type="triangle"/>
+          </a:ln>
+        </p:spPr>
+        <p:style>
+          <a:lnRef idx="1">
+            <a:schemeClr val="accent1"/>
+          </a:lnRef>
+          <a:fillRef idx="0">
+            <a:schemeClr val="accent1"/>
+          </a:fillRef>
+          <a:effectRef idx="0">
+            <a:schemeClr val="accent1"/>
+          </a:effectRef>
+          <a:fontRef idx="minor">
+            <a:schemeClr val="tx1"/>
+          </a:fontRef>
+        </p:style>
+      </p:cxnSp>
+      <p:sp>
+        <p:nvSpPr>
+          <p:cNvPr id="26" name="Rounded Rectangle 25"/>
+          <p:cNvSpPr/>
+          <p:nvPr/>
+        </p:nvSpPr>
+        <p:spPr>
+          <a:xfrm>
+            <a:off x="5954144" y="3201168"/>
+            <a:ext cx="1171575" cy="352426"/>
+          </a:xfrm>
+          <a:prstGeom prst="roundRect">
+            <a:avLst/>
+          </a:prstGeom>
+          <a:solidFill>
+            <a:schemeClr val="bg2">
+              <a:lumMod val="50000"/>
+            </a:schemeClr>
+          </a:solidFill>
+          <a:ln>
+            <a:solidFill>
+              <a:schemeClr val="tx2"/>
+            </a:solidFill>
+          </a:ln>
+        </p:spPr>
+        <p:style>
+          <a:lnRef idx="0">
+            <a:schemeClr val="accent2"/>
+          </a:lnRef>
+          <a:fillRef idx="3">
+            <a:schemeClr val="accent2"/>
+          </a:fillRef>
+          <a:effectRef idx="3">
+            <a:schemeClr val="accent2"/>
+          </a:effectRef>
+          <a:fontRef idx="minor">
+            <a:schemeClr val="lt1"/>
+          </a:fontRef>
+        </p:style>
+        <p:txBody>
+          <a:bodyPr rtlCol="0" anchor="ctr"/>
+          <a:lstStyle/>
+          <a:p>
+            <a:pPr algn="ctr"/>
+            <a:r>
+              <a:rPr lang="en-GB" sz="1050" dirty="0" smtClean="0">
+                <a:ln>
+                  <a:solidFill>
+                    <a:schemeClr val="bg1">
+                      <a:lumMod val="95000"/>
+                    </a:schemeClr>
+                  </a:solidFill>
+                </a:ln>
+                <a:solidFill>
+                  <a:schemeClr val="bg1"/>
+                </a:solidFill>
+              </a:rPr>
+              <a:t>Call for help</a:t>
+            </a:r>
+            <a:endParaRPr lang="en-GB" sz="1050" dirty="0">
+              <a:ln>
+                <a:solidFill>
+                  <a:schemeClr val="bg1">
+                    <a:lumMod val="95000"/>
+                  </a:schemeClr>
+                </a:solidFill>
+              </a:ln>
+              <a:solidFill>
+                <a:schemeClr val="bg1"/>
+              </a:solidFill>
+            </a:endParaRPr>
+          </a:p>
+        </p:txBody>
+      </p:sp>
+      <p:cxnSp>
+        <p:nvCxnSpPr>
+          <p:cNvPr id="27" name="Straight Arrow Connector 26"/>
+          <p:cNvCxnSpPr/>
+          <p:nvPr/>
+        </p:nvCxnSpPr>
+        <p:spPr>
+          <a:xfrm>
+            <a:off x="3603500" y="2917206"/>
+            <a:ext cx="0" cy="285750"/>
+          </a:xfrm>
+          <a:prstGeom prst="straightConnector1">
+            <a:avLst/>
+          </a:prstGeom>
+          <a:ln>
+            <a:solidFill>
+              <a:schemeClr val="tx2"/>
+            </a:solidFill>
+            <a:tailEnd type="triangle"/>
+          </a:ln>
+        </p:spPr>
+        <p:style>
+          <a:lnRef idx="1">
+            <a:schemeClr val="accent1"/>
+          </a:lnRef>
+          <a:fillRef idx="0">
+            <a:schemeClr val="accent1"/>
+          </a:fillRef>
+          <a:effectRef idx="0">
+            <a:schemeClr val="accent1"/>
+          </a:effectRef>
+          <a:fontRef idx="minor">
+            <a:schemeClr val="tx1"/>
+          </a:fontRef>
+        </p:style>
+      </p:cxnSp>
+      <p:sp>
+        <p:nvSpPr>
+          <p:cNvPr id="28" name="Rounded Rectangle 27"/>
+          <p:cNvSpPr/>
+          <p:nvPr/>
+        </p:nvSpPr>
+        <p:spPr>
+          <a:xfrm>
+            <a:off x="3017712" y="3213676"/>
+            <a:ext cx="1171575" cy="352426"/>
+          </a:xfrm>
+          <a:prstGeom prst="roundRect">
+            <a:avLst/>
+          </a:prstGeom>
+          <a:solidFill>
+            <a:schemeClr val="bg2">
+              <a:lumMod val="50000"/>
+            </a:schemeClr>
+          </a:solidFill>
+          <a:ln>
+            <a:solidFill>
+              <a:schemeClr val="tx2"/>
+            </a:solidFill>
+          </a:ln>
+        </p:spPr>
+        <p:style>
+          <a:lnRef idx="0">
+            <a:schemeClr val="accent2"/>
+          </a:lnRef>
+          <a:fillRef idx="3">
+            <a:schemeClr val="accent2"/>
+          </a:fillRef>
+          <a:effectRef idx="3">
+            <a:schemeClr val="accent2"/>
+          </a:effectRef>
+          <a:fontRef idx="minor">
+            <a:schemeClr val="lt1"/>
+          </a:fontRef>
+        </p:style>
+        <p:txBody>
+          <a:bodyPr rtlCol="0" anchor="ctr"/>
+          <a:lstStyle/>
+          <a:p>
+            <a:pPr algn="ctr"/>
+            <a:r>
+              <a:rPr lang="en-GB" sz="1050" dirty="0" smtClean="0">
+                <a:ln>
+                  <a:solidFill>
+                    <a:schemeClr val="bg1">
+                      <a:lumMod val="95000"/>
+                    </a:schemeClr>
+                  </a:solidFill>
+                </a:ln>
+                <a:solidFill>
+                  <a:schemeClr val="bg1"/>
+                </a:solidFill>
+              </a:rPr>
+              <a:t>Remainders</a:t>
+            </a:r>
+            <a:endParaRPr lang="en-GB" sz="1050" dirty="0">
+              <a:ln>
+                <a:solidFill>
+                  <a:schemeClr val="bg1">
+                    <a:lumMod val="95000"/>
+                  </a:schemeClr>
+                </a:solidFill>
+              </a:ln>
+              <a:solidFill>
+                <a:schemeClr val="bg1"/>
+              </a:solidFill>
+            </a:endParaRPr>
+          </a:p>
+        </p:txBody>
+      </p:sp>
+      <p:cxnSp>
+        <p:nvCxnSpPr>
+          <p:cNvPr id="29" name="Straight Arrow Connector 28"/>
+          <p:cNvCxnSpPr/>
+          <p:nvPr/>
+        </p:nvCxnSpPr>
+        <p:spPr>
+          <a:xfrm>
+            <a:off x="5068835" y="2917206"/>
+            <a:ext cx="0" cy="285750"/>
+          </a:xfrm>
+          <a:prstGeom prst="straightConnector1">
+            <a:avLst/>
+          </a:prstGeom>
+          <a:ln>
+            <a:solidFill>
+              <a:schemeClr val="tx2"/>
+            </a:solidFill>
+            <a:tailEnd type="triangle"/>
+          </a:ln>
+        </p:spPr>
+        <p:style>
+          <a:lnRef idx="1">
+            <a:schemeClr val="accent1"/>
+          </a:lnRef>
+          <a:fillRef idx="0">
+            <a:schemeClr val="accent1"/>
+          </a:fillRef>
+          <a:effectRef idx="0">
+            <a:schemeClr val="accent1"/>
+          </a:effectRef>
+          <a:fontRef idx="minor">
+            <a:schemeClr val="tx1"/>
+          </a:fontRef>
+        </p:style>
+      </p:cxnSp>
+      <p:sp>
+        <p:nvSpPr>
+          <p:cNvPr id="30" name="Rounded Rectangle 29"/>
+          <p:cNvSpPr/>
+          <p:nvPr/>
+        </p:nvSpPr>
+        <p:spPr>
+          <a:xfrm>
+            <a:off x="4483047" y="3213676"/>
+            <a:ext cx="1171575" cy="352426"/>
+          </a:xfrm>
+          <a:prstGeom prst="roundRect">
+            <a:avLst/>
+          </a:prstGeom>
+          <a:solidFill>
+            <a:schemeClr val="bg2">
+              <a:lumMod val="50000"/>
+            </a:schemeClr>
+          </a:solidFill>
+          <a:ln>
+            <a:solidFill>
+              <a:schemeClr val="tx2"/>
+            </a:solidFill>
+          </a:ln>
+        </p:spPr>
+        <p:style>
+          <a:lnRef idx="0">
+            <a:schemeClr val="accent2"/>
+          </a:lnRef>
+          <a:fillRef idx="3">
+            <a:schemeClr val="accent2"/>
+          </a:fillRef>
+          <a:effectRef idx="3">
+            <a:schemeClr val="accent2"/>
+          </a:effectRef>
+          <a:fontRef idx="minor">
+            <a:schemeClr val="lt1"/>
+          </a:fontRef>
+        </p:style>
+        <p:txBody>
+          <a:bodyPr rtlCol="0" anchor="ctr"/>
+          <a:lstStyle/>
+          <a:p>
+            <a:pPr algn="ctr"/>
+            <a:r>
+              <a:rPr lang="en-GB" sz="1050" dirty="0" smtClean="0">
+                <a:ln>
+                  <a:solidFill>
+                    <a:schemeClr val="bg1">
+                      <a:lumMod val="95000"/>
+                    </a:schemeClr>
+                  </a:solidFill>
+                </a:ln>
+                <a:solidFill>
+                  <a:schemeClr val="bg1"/>
+                </a:solidFill>
+              </a:rPr>
+              <a:t>Appointments </a:t>
+            </a:r>
+            <a:endParaRPr lang="en-GB" sz="1050" dirty="0">
+              <a:ln>
+                <a:solidFill>
+                  <a:schemeClr val="bg1">
+                    <a:lumMod val="95000"/>
+                  </a:schemeClr>
+                </a:solidFill>
+              </a:ln>
+              <a:solidFill>
+                <a:schemeClr val="bg1"/>
+              </a:solidFill>
+            </a:endParaRPr>
+          </a:p>
+        </p:txBody>
+      </p:sp>
+      <p:cxnSp>
+        <p:nvCxnSpPr>
+          <p:cNvPr id="31" name="Straight Arrow Connector 30"/>
+          <p:cNvCxnSpPr/>
+          <p:nvPr/>
+        </p:nvCxnSpPr>
+        <p:spPr>
+          <a:xfrm>
+            <a:off x="2742459" y="1998930"/>
+            <a:ext cx="0" cy="285750"/>
+          </a:xfrm>
+          <a:prstGeom prst="straightConnector1">
+            <a:avLst/>
+          </a:prstGeom>
+          <a:ln>
+            <a:solidFill>
+              <a:schemeClr val="tx2"/>
+            </a:solidFill>
+            <a:tailEnd type="triangle"/>
+          </a:ln>
+        </p:spPr>
+        <p:style>
+          <a:lnRef idx="1">
+            <a:schemeClr val="accent1"/>
+          </a:lnRef>
+          <a:fillRef idx="0">
+            <a:schemeClr val="accent1"/>
+          </a:fillRef>
+          <a:effectRef idx="0">
+            <a:schemeClr val="accent1"/>
+          </a:effectRef>
+          <a:fontRef idx="minor">
+            <a:schemeClr val="tx1"/>
+          </a:fontRef>
+        </p:style>
+      </p:cxnSp>
+      <p:sp>
+        <p:nvSpPr>
+          <p:cNvPr id="32" name="Rounded Rectangle 31"/>
+          <p:cNvSpPr/>
+          <p:nvPr/>
+        </p:nvSpPr>
+        <p:spPr>
+          <a:xfrm>
+            <a:off x="2156671" y="2284679"/>
+            <a:ext cx="1171575" cy="352426"/>
+          </a:xfrm>
+          <a:prstGeom prst="roundRect">
+            <a:avLst/>
+          </a:prstGeom>
+          <a:solidFill>
+            <a:schemeClr val="bg2">
+              <a:lumMod val="50000"/>
+            </a:schemeClr>
+          </a:solidFill>
+          <a:ln>
+            <a:solidFill>
+              <a:schemeClr val="tx2"/>
+            </a:solidFill>
+          </a:ln>
+        </p:spPr>
+        <p:style>
+          <a:lnRef idx="0">
+            <a:schemeClr val="accent2"/>
+          </a:lnRef>
+          <a:fillRef idx="3">
+            <a:schemeClr val="accent2"/>
+          </a:fillRef>
+          <a:effectRef idx="3">
+            <a:schemeClr val="accent2"/>
+          </a:effectRef>
+          <a:fontRef idx="minor">
+            <a:schemeClr val="lt1"/>
+          </a:fontRef>
+        </p:style>
+        <p:txBody>
+          <a:bodyPr rtlCol="0" anchor="ctr"/>
+          <a:lstStyle/>
+          <a:p>
+            <a:pPr algn="ctr"/>
+            <a:r>
+              <a:rPr lang="en-GB" sz="1050" dirty="0" smtClean="0">
+                <a:ln>
+                  <a:solidFill>
+                    <a:schemeClr val="bg1">
+                      <a:lumMod val="95000"/>
+                    </a:schemeClr>
+                  </a:solidFill>
+                </a:ln>
+                <a:solidFill>
+                  <a:schemeClr val="bg1"/>
+                </a:solidFill>
+              </a:rPr>
+              <a:t>Register</a:t>
+            </a:r>
+            <a:endParaRPr lang="en-GB" sz="1050" dirty="0">
+              <a:ln>
+                <a:solidFill>
+                  <a:schemeClr val="bg1">
+                    <a:lumMod val="95000"/>
+                  </a:schemeClr>
+                </a:solidFill>
+              </a:ln>
+              <a:solidFill>
+                <a:schemeClr val="bg1"/>
+              </a:solidFill>
+            </a:endParaRPr>
+          </a:p>
+        </p:txBody>
+      </p:sp>
+      <p:cxnSp>
+        <p:nvCxnSpPr>
+          <p:cNvPr id="33" name="Straight Arrow Connector 32"/>
+          <p:cNvCxnSpPr/>
+          <p:nvPr/>
+        </p:nvCxnSpPr>
+        <p:spPr>
+          <a:xfrm>
+            <a:off x="8005265" y="2904698"/>
+            <a:ext cx="0" cy="275030"/>
+          </a:xfrm>
+          <a:prstGeom prst="straightConnector1">
+            <a:avLst/>
+          </a:prstGeom>
+          <a:ln>
+            <a:solidFill>
+              <a:schemeClr val="tx2"/>
+            </a:solidFill>
+            <a:tailEnd type="triangle"/>
+          </a:ln>
+        </p:spPr>
+        <p:style>
+          <a:lnRef idx="1">
+            <a:schemeClr val="accent1"/>
+          </a:lnRef>
+          <a:fillRef idx="0">
+            <a:schemeClr val="accent1"/>
+          </a:fillRef>
+          <a:effectRef idx="0">
+            <a:schemeClr val="accent1"/>
+          </a:effectRef>
+          <a:fontRef idx="minor">
+            <a:schemeClr val="tx1"/>
+          </a:fontRef>
+        </p:style>
+      </p:cxnSp>
+      <p:sp>
+        <p:nvSpPr>
+          <p:cNvPr id="34" name="Rounded Rectangle 33"/>
+          <p:cNvSpPr/>
+          <p:nvPr/>
+        </p:nvSpPr>
+        <p:spPr>
+          <a:xfrm>
+            <a:off x="7419477" y="3190448"/>
+            <a:ext cx="1171575" cy="352426"/>
+          </a:xfrm>
+          <a:prstGeom prst="roundRect">
+            <a:avLst/>
+          </a:prstGeom>
+          <a:solidFill>
+            <a:schemeClr val="bg2">
+              <a:lumMod val="50000"/>
+            </a:schemeClr>
+          </a:solidFill>
+          <a:ln>
+            <a:solidFill>
+              <a:schemeClr val="tx2"/>
+            </a:solidFill>
+          </a:ln>
+        </p:spPr>
+        <p:style>
+          <a:lnRef idx="0">
+            <a:schemeClr val="accent2"/>
+          </a:lnRef>
+          <a:fillRef idx="3">
+            <a:schemeClr val="accent2"/>
+          </a:fillRef>
+          <a:effectRef idx="3">
+            <a:schemeClr val="accent2"/>
+          </a:effectRef>
+          <a:fontRef idx="minor">
+            <a:schemeClr val="lt1"/>
+          </a:fontRef>
+        </p:style>
+        <p:txBody>
+          <a:bodyPr rtlCol="0" anchor="ctr"/>
+          <a:lstStyle/>
+          <a:p>
+            <a:pPr algn="ctr"/>
+            <a:r>
+              <a:rPr lang="en-GB" sz="1050" dirty="0" smtClean="0">
+                <a:ln>
+                  <a:solidFill>
+                    <a:schemeClr val="bg1">
+                      <a:lumMod val="95000"/>
+                    </a:schemeClr>
+                  </a:solidFill>
+                </a:ln>
+                <a:solidFill>
+                  <a:schemeClr val="bg1"/>
+                </a:solidFill>
+              </a:rPr>
+              <a:t>Send Feedback</a:t>
+            </a:r>
+            <a:endParaRPr lang="en-GB" sz="1050" dirty="0">
+              <a:ln>
+                <a:solidFill>
+                  <a:schemeClr val="bg1">
+                    <a:lumMod val="95000"/>
+                  </a:schemeClr>
+                </a:solidFill>
+              </a:ln>
+              <a:solidFill>
+                <a:schemeClr val="bg1"/>
+              </a:solidFill>
+            </a:endParaRPr>
+          </a:p>
+        </p:txBody>
+      </p:sp>
+      <p:cxnSp>
+        <p:nvCxnSpPr>
+          <p:cNvPr id="36" name="Straight Arrow Connector 35"/>
+          <p:cNvCxnSpPr/>
+          <p:nvPr/>
+        </p:nvCxnSpPr>
+        <p:spPr>
+          <a:xfrm>
+            <a:off x="9470596" y="2919938"/>
+            <a:ext cx="0" cy="275030"/>
+          </a:xfrm>
+          <a:prstGeom prst="straightConnector1">
+            <a:avLst/>
+          </a:prstGeom>
+          <a:ln>
+            <a:solidFill>
+              <a:schemeClr val="tx2"/>
+            </a:solidFill>
+            <a:tailEnd type="triangle"/>
+          </a:ln>
+        </p:spPr>
+        <p:style>
+          <a:lnRef idx="1">
+            <a:schemeClr val="accent1"/>
+          </a:lnRef>
+          <a:fillRef idx="0">
+            <a:schemeClr val="accent1"/>
+          </a:fillRef>
+          <a:effectRef idx="0">
+            <a:schemeClr val="accent1"/>
+          </a:effectRef>
+          <a:fontRef idx="minor">
+            <a:schemeClr val="tx1"/>
+          </a:fontRef>
+        </p:style>
+      </p:cxnSp>
+      <p:sp>
+        <p:nvSpPr>
+          <p:cNvPr id="37" name="Rounded Rectangle 36"/>
+          <p:cNvSpPr/>
+          <p:nvPr/>
+        </p:nvSpPr>
+        <p:spPr>
+          <a:xfrm>
+            <a:off x="8884808" y="3205688"/>
+            <a:ext cx="1171575" cy="352426"/>
+          </a:xfrm>
+          <a:prstGeom prst="roundRect">
+            <a:avLst/>
+          </a:prstGeom>
+          <a:solidFill>
+            <a:schemeClr val="bg2">
+              <a:lumMod val="50000"/>
+            </a:schemeClr>
+          </a:solidFill>
+          <a:ln>
+            <a:solidFill>
+              <a:schemeClr val="tx2"/>
+            </a:solidFill>
+          </a:ln>
+        </p:spPr>
+        <p:style>
+          <a:lnRef idx="0">
+            <a:schemeClr val="accent2"/>
+          </a:lnRef>
+          <a:fillRef idx="3">
+            <a:schemeClr val="accent2"/>
+          </a:fillRef>
+          <a:effectRef idx="3">
+            <a:schemeClr val="accent2"/>
+          </a:effectRef>
+          <a:fontRef idx="minor">
+            <a:schemeClr val="lt1"/>
+          </a:fontRef>
+        </p:style>
+        <p:txBody>
+          <a:bodyPr rtlCol="0" anchor="ctr"/>
+          <a:lstStyle/>
+          <a:p>
+            <a:pPr algn="ctr"/>
+            <a:r>
+              <a:rPr lang="en-GB" sz="1050" dirty="0" smtClean="0">
+                <a:ln>
+                  <a:solidFill>
+                    <a:schemeClr val="bg1">
+                      <a:lumMod val="95000"/>
+                    </a:schemeClr>
+                  </a:solidFill>
+                </a:ln>
+                <a:solidFill>
+                  <a:schemeClr val="bg1"/>
+                </a:solidFill>
+              </a:rPr>
+              <a:t>About the app</a:t>
+            </a:r>
+            <a:endParaRPr lang="en-GB" sz="1050" dirty="0">
+              <a:ln>
+                <a:solidFill>
+                  <a:schemeClr val="bg1">
+                    <a:lumMod val="95000"/>
+                  </a:schemeClr>
+                </a:solidFill>
+              </a:ln>
+              <a:solidFill>
+                <a:schemeClr val="bg1"/>
+              </a:solidFill>
+            </a:endParaRPr>
           </a:p>
         </p:txBody>
       </p:sp>
     </p:spTree>
     <p:extLst>
       <p:ext uri="{BB962C8B-B14F-4D97-AF65-F5344CB8AC3E}">
-        <p14:creationId xmlns:p14="http://schemas.microsoft.com/office/powerpoint/2010/main" val="410599224"/>
+        <p14:creationId xmlns:p14="http://schemas.microsoft.com/office/powerpoint/2010/main" val="3824507340"/>
       </p:ext>
     </p:extLst>
   </p:cSld>
@@ -6772,7 +8069,270 @@
         </p:nvSpPr>
         <p:spPr>
           <a:xfrm>
-            <a:off x="677334" y="609600"/>
+            <a:off x="677334" y="200025"/>
+            <a:ext cx="8596668" cy="1153297"/>
+          </a:xfrm>
+        </p:spPr>
+        <p:txBody>
+          <a:bodyPr>
+            <a:normAutofit fontScale="90000"/>
+          </a:bodyPr>
+          <a:lstStyle/>
+          <a:p>
+            <a:r>
+              <a:rPr lang="en-US" dirty="0" smtClean="0"/>
+              <a:t>Sign </a:t>
+            </a:r>
+            <a:r>
+              <a:rPr lang="en-US" dirty="0" smtClean="0"/>
+              <a:t>Un</a:t>
+            </a:r>
+            <a:r>
+              <a:rPr lang="en-US" dirty="0" smtClean="0"/>
+              <a:t>, Sign </a:t>
+            </a:r>
+            <a:r>
+              <a:rPr lang="en-US" dirty="0" smtClean="0"/>
+              <a:t>In </a:t>
+            </a:r>
+            <a:r>
+              <a:rPr lang="en-US" dirty="0" smtClean="0"/>
+              <a:t>and Forgot Password Screen</a:t>
+            </a:r>
+            <a:endParaRPr lang="en-GB" dirty="0"/>
+          </a:p>
+        </p:txBody>
+      </p:sp>
+      <p:pic>
+        <p:nvPicPr>
+          <p:cNvPr id="4" name="Picture 3"/>
+          <p:cNvPicPr>
+            <a:picLocks noChangeAspect="1"/>
+          </p:cNvPicPr>
+          <p:nvPr/>
+        </p:nvPicPr>
+        <p:blipFill>
+          <a:blip r:embed="rId2" cstate="print">
+            <a:extLst>
+              <a:ext uri="{28A0092B-C50C-407E-A947-70E740481C1C}">
+                <a14:useLocalDpi xmlns:a14="http://schemas.microsoft.com/office/drawing/2010/main" val="0"/>
+              </a:ext>
+            </a:extLst>
+          </a:blip>
+          <a:stretch>
+            <a:fillRect/>
+          </a:stretch>
+        </p:blipFill>
+        <p:spPr>
+          <a:xfrm>
+            <a:off x="3878310" y="1622653"/>
+            <a:ext cx="2241216" cy="3958965"/>
+          </a:xfrm>
+          <a:prstGeom prst="rect">
+            <a:avLst/>
+          </a:prstGeom>
+        </p:spPr>
+      </p:pic>
+      <p:pic>
+        <p:nvPicPr>
+          <p:cNvPr id="21" name="Picture 20"/>
+          <p:cNvPicPr>
+            <a:picLocks noChangeAspect="1"/>
+          </p:cNvPicPr>
+          <p:nvPr/>
+        </p:nvPicPr>
+        <p:blipFill>
+          <a:blip r:embed="rId3" cstate="print">
+            <a:extLst>
+              <a:ext uri="{28A0092B-C50C-407E-A947-70E740481C1C}">
+                <a14:useLocalDpi xmlns:a14="http://schemas.microsoft.com/office/drawing/2010/main" val="0"/>
+              </a:ext>
+            </a:extLst>
+          </a:blip>
+          <a:stretch>
+            <a:fillRect/>
+          </a:stretch>
+        </p:blipFill>
+        <p:spPr>
+          <a:xfrm>
+            <a:off x="1343012" y="2456464"/>
+            <a:ext cx="1769857" cy="3125154"/>
+          </a:xfrm>
+          <a:prstGeom prst="rect">
+            <a:avLst/>
+          </a:prstGeom>
+        </p:spPr>
+      </p:pic>
+      <p:pic>
+        <p:nvPicPr>
+          <p:cNvPr id="38" name="Picture 37"/>
+          <p:cNvPicPr>
+            <a:picLocks noChangeAspect="1"/>
+          </p:cNvPicPr>
+          <p:nvPr/>
+        </p:nvPicPr>
+        <p:blipFill>
+          <a:blip r:embed="rId4" cstate="print">
+            <a:extLst>
+              <a:ext uri="{28A0092B-C50C-407E-A947-70E740481C1C}">
+                <a14:useLocalDpi xmlns:a14="http://schemas.microsoft.com/office/drawing/2010/main" val="0"/>
+              </a:ext>
+            </a:extLst>
+          </a:blip>
+          <a:stretch>
+            <a:fillRect/>
+          </a:stretch>
+        </p:blipFill>
+        <p:spPr>
+          <a:xfrm>
+            <a:off x="6974946" y="2456464"/>
+            <a:ext cx="1769858" cy="3125154"/>
+          </a:xfrm>
+          <a:prstGeom prst="rect">
+            <a:avLst/>
+          </a:prstGeom>
+        </p:spPr>
+      </p:pic>
+      <p:sp>
+        <p:nvSpPr>
+          <p:cNvPr id="39" name="Date Placeholder 38"/>
+          <p:cNvSpPr>
+            <a:spLocks noGrp="1"/>
+          </p:cNvSpPr>
+          <p:nvPr>
+            <p:ph type="dt" sz="half" idx="10"/>
+          </p:nvPr>
+        </p:nvSpPr>
+        <p:spPr>
+          <a:xfrm>
+            <a:off x="6281295" y="6041362"/>
+            <a:ext cx="1835777" cy="365125"/>
+          </a:xfrm>
+        </p:spPr>
+        <p:txBody>
+          <a:bodyPr/>
+          <a:lstStyle/>
+          <a:p>
+            <a:fld id="{BAA208EE-30F3-4A6B-9D94-7D89D666155F}" type="datetime2">
+              <a:rPr lang="en-GB" sz="1000" smtClean="0">
+                <a:solidFill>
+                  <a:schemeClr val="tx1"/>
+                </a:solidFill>
+              </a:rPr>
+              <a:t>Monday, 29 February 2016</a:t>
+            </a:fld>
+            <a:endParaRPr lang="en-GB" sz="1000" dirty="0">
+              <a:solidFill>
+                <a:schemeClr val="tx1"/>
+              </a:solidFill>
+            </a:endParaRPr>
+          </a:p>
+        </p:txBody>
+      </p:sp>
+      <p:sp>
+        <p:nvSpPr>
+          <p:cNvPr id="40" name="Footer Placeholder 39"/>
+          <p:cNvSpPr>
+            <a:spLocks noGrp="1"/>
+          </p:cNvSpPr>
+          <p:nvPr>
+            <p:ph type="ftr" sz="quarter" idx="11"/>
+          </p:nvPr>
+        </p:nvSpPr>
+        <p:spPr/>
+        <p:txBody>
+          <a:bodyPr/>
+          <a:lstStyle/>
+          <a:p>
+            <a:r>
+              <a:rPr lang="en-GB" sz="1000" dirty="0" smtClean="0">
+                <a:solidFill>
+                  <a:schemeClr val="tx1"/>
+                </a:solidFill>
+              </a:rPr>
+              <a:t>Jomin Kaitholil George</a:t>
+            </a:r>
+            <a:endParaRPr lang="en-GB" sz="1000" dirty="0">
+              <a:solidFill>
+                <a:schemeClr val="tx1"/>
+              </a:solidFill>
+            </a:endParaRPr>
+          </a:p>
+        </p:txBody>
+      </p:sp>
+      <p:sp>
+        <p:nvSpPr>
+          <p:cNvPr id="41" name="Slide Number Placeholder 40"/>
+          <p:cNvSpPr>
+            <a:spLocks noGrp="1"/>
+          </p:cNvSpPr>
+          <p:nvPr>
+            <p:ph type="sldNum" sz="quarter" idx="12"/>
+          </p:nvPr>
+        </p:nvSpPr>
+        <p:spPr/>
+        <p:txBody>
+          <a:bodyPr/>
+          <a:lstStyle/>
+          <a:p>
+            <a:fld id="{AC1CFE2D-092C-4D8C-9F63-2AF7560B84D1}" type="slidenum">
+              <a:rPr lang="en-GB" smtClean="0"/>
+              <a:t>3</a:t>
+            </a:fld>
+            <a:endParaRPr lang="en-GB" dirty="0"/>
+          </a:p>
+        </p:txBody>
+      </p:sp>
+    </p:spTree>
+    <p:extLst>
+      <p:ext uri="{BB962C8B-B14F-4D97-AF65-F5344CB8AC3E}">
+        <p14:creationId xmlns:p14="http://schemas.microsoft.com/office/powerpoint/2010/main" val="410599224"/>
+      </p:ext>
+    </p:extLst>
+  </p:cSld>
+  <p:clrMapOvr>
+    <a:masterClrMapping/>
+  </p:clrMapOvr>
+  <p:timing>
+    <p:tnLst>
+      <p:par>
+        <p:cTn id="1" dur="indefinite" restart="never" nodeType="tmRoot"/>
+      </p:par>
+    </p:tnLst>
+  </p:timing>
+</p:sld>
+</file>
+
+<file path=ppt/slides/slide4.xml><?xml version="1.0" encoding="utf-8"?>
+<p:sld xmlns:a="http://schemas.openxmlformats.org/drawingml/2006/main" xmlns:r="http://schemas.openxmlformats.org/officeDocument/2006/relationships" xmlns:p="http://schemas.openxmlformats.org/presentationml/2006/main">
+  <p:cSld>
+    <p:spTree>
+      <p:nvGrpSpPr>
+        <p:cNvPr id="1" name=""/>
+        <p:cNvGrpSpPr/>
+        <p:nvPr/>
+      </p:nvGrpSpPr>
+      <p:grpSpPr>
+        <a:xfrm>
+          <a:off x="0" y="0"/>
+          <a:ext cx="0" cy="0"/>
+          <a:chOff x="0" y="0"/>
+          <a:chExt cx="0" cy="0"/>
+        </a:xfrm>
+      </p:grpSpPr>
+      <p:sp>
+        <p:nvSpPr>
+          <p:cNvPr id="2" name="Title 1"/>
+          <p:cNvSpPr>
+            <a:spLocks noGrp="1"/>
+          </p:cNvSpPr>
+          <p:nvPr>
+            <p:ph type="title"/>
+          </p:nvPr>
+        </p:nvSpPr>
+        <p:spPr>
+          <a:xfrm>
+            <a:off x="677334" y="352425"/>
             <a:ext cx="8596668" cy="684694"/>
           </a:xfrm>
         </p:spPr>
@@ -6782,7 +8342,7 @@
           <a:p>
             <a:r>
               <a:rPr lang="en-GB" dirty="0" smtClean="0"/>
-              <a:t>Loading screen and Home Screen</a:t>
+              <a:t>Home Page </a:t>
             </a:r>
             <a:endParaRPr lang="en-GB" dirty="0"/>
           </a:p>
@@ -6851,7 +8411,7 @@
           <a:p>
             <a:fld id="{AC1CFE2D-092C-4D8C-9F63-2AF7560B84D1}" type="slidenum">
               <a:rPr lang="en-GB" smtClean="0"/>
-              <a:t>3</a:t>
+              <a:t>4</a:t>
             </a:fld>
             <a:endParaRPr lang="en-GB"/>
           </a:p>
@@ -6879,7 +8439,7 @@
         </p:blipFill>
         <p:spPr>
           <a:xfrm>
-            <a:off x="5041421" y="1258862"/>
+            <a:off x="4267517" y="1037119"/>
             <a:ext cx="2707429" cy="4782500"/>
           </a:xfrm>
           <a:prstGeom prst="rect">
@@ -6910,7 +8470,7 @@
         </p:blipFill>
         <p:spPr bwMode="auto">
           <a:xfrm>
-            <a:off x="5346383" y="1716939"/>
+            <a:off x="4572479" y="1495196"/>
             <a:ext cx="2122488" cy="821960"/>
           </a:xfrm>
           <a:prstGeom prst="rect">
@@ -6939,7 +8499,7 @@
         </p:nvSpPr>
         <p:spPr>
           <a:xfrm>
-            <a:off x="6038363" y="2322506"/>
+            <a:off x="5264459" y="2100763"/>
             <a:ext cx="949810" cy="222007"/>
           </a:xfrm>
           <a:prstGeom prst="roundRect">
@@ -7012,7 +8572,7 @@
         </p:blipFill>
         <p:spPr bwMode="auto">
           <a:xfrm>
-            <a:off x="5346853" y="2538898"/>
+            <a:off x="4572949" y="2317155"/>
             <a:ext cx="2120748" cy="2867993"/>
           </a:xfrm>
           <a:prstGeom prst="rect">
@@ -7038,7 +8598,7 @@
         </p:nvSpPr>
         <p:spPr>
           <a:xfrm>
-            <a:off x="5450417" y="2631339"/>
+            <a:off x="4676513" y="2409596"/>
             <a:ext cx="900853" cy="626503"/>
           </a:xfrm>
           <a:prstGeom prst="rect">
@@ -7084,7 +8644,7 @@
         </p:nvSpPr>
         <p:spPr>
           <a:xfrm>
-            <a:off x="6469041" y="2631339"/>
+            <a:off x="5695137" y="2409596"/>
             <a:ext cx="900853" cy="626503"/>
           </a:xfrm>
           <a:prstGeom prst="rect">
@@ -7130,7 +8690,7 @@
         </p:nvSpPr>
         <p:spPr>
           <a:xfrm>
-            <a:off x="5464745" y="3316107"/>
+            <a:off x="4690841" y="3094364"/>
             <a:ext cx="900853" cy="626503"/>
           </a:xfrm>
           <a:prstGeom prst="rect">
@@ -7176,7 +8736,7 @@
         </p:nvSpPr>
         <p:spPr>
           <a:xfrm>
-            <a:off x="6483369" y="3316107"/>
+            <a:off x="5709465" y="3094364"/>
             <a:ext cx="900853" cy="626503"/>
           </a:xfrm>
           <a:prstGeom prst="rect">
@@ -7222,7 +8782,7 @@
         </p:nvSpPr>
         <p:spPr>
           <a:xfrm>
-            <a:off x="5466482" y="4000875"/>
+            <a:off x="4692578" y="3779132"/>
             <a:ext cx="900853" cy="626503"/>
           </a:xfrm>
           <a:prstGeom prst="rect">
@@ -7268,7 +8828,7 @@
         </p:nvSpPr>
         <p:spPr>
           <a:xfrm>
-            <a:off x="6485106" y="4000875"/>
+            <a:off x="5711202" y="3779132"/>
             <a:ext cx="900853" cy="626503"/>
           </a:xfrm>
           <a:prstGeom prst="rect">
@@ -7314,7 +8874,7 @@
         </p:nvSpPr>
         <p:spPr>
           <a:xfrm>
-            <a:off x="5480810" y="4685643"/>
+            <a:off x="4706906" y="4463900"/>
             <a:ext cx="900853" cy="626503"/>
           </a:xfrm>
           <a:prstGeom prst="rect">
@@ -7360,7 +8920,7 @@
         </p:nvSpPr>
         <p:spPr>
           <a:xfrm>
-            <a:off x="6499434" y="4685643"/>
+            <a:off x="5725530" y="4463900"/>
             <a:ext cx="900853" cy="626503"/>
           </a:xfrm>
           <a:prstGeom prst="rect">
@@ -7414,7 +8974,7 @@
         </p:blipFill>
         <p:spPr>
           <a:xfrm>
-            <a:off x="6736805" y="2690111"/>
+            <a:off x="5962901" y="2468368"/>
             <a:ext cx="365323" cy="378488"/>
           </a:xfrm>
           <a:prstGeom prst="rect">
@@ -7438,7 +8998,7 @@
         </p:blipFill>
         <p:spPr>
           <a:xfrm>
-            <a:off x="5692310" y="2684075"/>
+            <a:off x="4918406" y="2462332"/>
             <a:ext cx="445721" cy="445721"/>
           </a:xfrm>
           <a:prstGeom prst="rect">
@@ -7462,7 +9022,7 @@
         </p:blipFill>
         <p:spPr>
           <a:xfrm>
-            <a:off x="5703105" y="4050061"/>
+            <a:off x="4929201" y="3828318"/>
             <a:ext cx="456261" cy="456261"/>
           </a:xfrm>
           <a:prstGeom prst="rect">
@@ -7486,7 +9046,7 @@
         </p:blipFill>
         <p:spPr>
           <a:xfrm>
-            <a:off x="6759116" y="4073219"/>
+            <a:off x="5985212" y="3851476"/>
             <a:ext cx="381488" cy="375614"/>
           </a:xfrm>
           <a:prstGeom prst="rect">
@@ -7510,7 +9070,7 @@
         </p:blipFill>
         <p:spPr>
           <a:xfrm>
-            <a:off x="6721147" y="3401850"/>
+            <a:off x="5947243" y="3180107"/>
             <a:ext cx="419457" cy="419457"/>
           </a:xfrm>
           <a:prstGeom prst="rect">
@@ -7534,7 +9094,7 @@
         </p:blipFill>
         <p:spPr>
           <a:xfrm>
-            <a:off x="5714643" y="3401850"/>
+            <a:off x="4940739" y="3180107"/>
             <a:ext cx="419457" cy="419457"/>
           </a:xfrm>
           <a:prstGeom prst="rect">
@@ -7550,7 +9110,7 @@
         </p:nvSpPr>
         <p:spPr>
           <a:xfrm>
-            <a:off x="5450417" y="3087319"/>
+            <a:off x="4676513" y="2865576"/>
             <a:ext cx="895311" cy="200055"/>
           </a:xfrm>
           <a:prstGeom prst="rect">
@@ -7589,7 +9149,7 @@
         </p:nvSpPr>
         <p:spPr>
           <a:xfrm>
-            <a:off x="6467771" y="3086919"/>
+            <a:off x="5693867" y="2865176"/>
             <a:ext cx="902123" cy="200055"/>
           </a:xfrm>
           <a:prstGeom prst="rect">
@@ -7628,7 +9188,7 @@
         </p:nvSpPr>
         <p:spPr>
           <a:xfrm>
-            <a:off x="5473309" y="3784996"/>
+            <a:off x="4699405" y="3563253"/>
             <a:ext cx="902123" cy="200055"/>
           </a:xfrm>
           <a:prstGeom prst="rect">
@@ -7667,7 +9227,7 @@
         </p:nvSpPr>
         <p:spPr>
           <a:xfrm>
-            <a:off x="6481685" y="3765159"/>
+            <a:off x="5707781" y="3543416"/>
             <a:ext cx="902123" cy="200055"/>
           </a:xfrm>
           <a:prstGeom prst="rect">
@@ -7706,7 +9266,7 @@
         </p:nvSpPr>
         <p:spPr>
           <a:xfrm>
-            <a:off x="5496721" y="4472922"/>
+            <a:off x="4722817" y="4251179"/>
             <a:ext cx="878711" cy="200055"/>
           </a:xfrm>
           <a:prstGeom prst="rect">
@@ -7745,7 +9305,7 @@
         </p:nvSpPr>
         <p:spPr>
           <a:xfrm>
-            <a:off x="6493858" y="4475199"/>
+            <a:off x="5719954" y="4253456"/>
             <a:ext cx="902123" cy="200055"/>
           </a:xfrm>
           <a:prstGeom prst="rect">
@@ -7784,7 +9344,7 @@
         </p:nvSpPr>
         <p:spPr>
           <a:xfrm>
-            <a:off x="5496721" y="5145024"/>
+            <a:off x="4722817" y="4923281"/>
             <a:ext cx="885779" cy="200055"/>
           </a:xfrm>
           <a:prstGeom prst="rect">
@@ -7831,7 +9391,7 @@
         </p:blipFill>
         <p:spPr>
           <a:xfrm>
-            <a:off x="6789250" y="4718515"/>
+            <a:off x="6015346" y="4496772"/>
             <a:ext cx="446961" cy="446961"/>
           </a:xfrm>
           <a:prstGeom prst="rect">
@@ -7847,7 +9407,7 @@
         </p:nvSpPr>
         <p:spPr>
           <a:xfrm>
-            <a:off x="6571328" y="5134412"/>
+            <a:off x="5797424" y="4912669"/>
             <a:ext cx="885779" cy="200055"/>
           </a:xfrm>
           <a:prstGeom prst="rect">
@@ -7894,7 +9454,7 @@
         </p:blipFill>
         <p:spPr>
           <a:xfrm>
-            <a:off x="5737760" y="4720134"/>
+            <a:off x="4963856" y="4498391"/>
             <a:ext cx="396340" cy="454578"/>
           </a:xfrm>
           <a:prstGeom prst="rect">
@@ -7910,8 +9470,8 @@
         </p:nvGrpSpPr>
         <p:grpSpPr>
           <a:xfrm>
-            <a:off x="1634982" y="1631379"/>
-            <a:ext cx="2235542" cy="3995957"/>
+            <a:off x="1967131" y="1869941"/>
+            <a:ext cx="1784493" cy="3264471"/>
             <a:chOff x="531422" y="1258862"/>
             <a:chExt cx="2707429" cy="4782500"/>
           </a:xfrm>
@@ -8057,7 +9617,7 @@
             <p:nvPr/>
           </p:nvPicPr>
           <p:blipFill>
-            <a:blip r:embed="rId4">
+            <a:blip r:embed="rId15" cstate="print">
               <a:extLst>
                 <a:ext uri="{28A0092B-C50C-407E-A947-70E740481C1C}">
                   <a14:useLocalDpi xmlns:a14="http://schemas.microsoft.com/office/drawing/2010/main" val="0"/>
@@ -8098,7 +9658,7 @@
             <p:nvPr/>
           </p:nvPicPr>
           <p:blipFill>
-            <a:blip r:embed="rId15"/>
+            <a:blip r:embed="rId16"/>
             <a:stretch>
               <a:fillRect/>
             </a:stretch>
@@ -8166,7 +9726,7 @@
 </p:sld>
 </file>
 
-<file path=ppt/slides/slide4.xml><?xml version="1.0" encoding="utf-8"?>
+<file path=ppt/slides/slide5.xml><?xml version="1.0" encoding="utf-8"?>
 <p:sld xmlns:a="http://schemas.openxmlformats.org/drawingml/2006/main" xmlns:r="http://schemas.openxmlformats.org/officeDocument/2006/relationships" xmlns:p="http://schemas.openxmlformats.org/presentationml/2006/main">
   <p:cSld>
     <p:spTree>
@@ -8246,7 +9806,7 @@
           <a:p>
             <a:fld id="{AC1CFE2D-092C-4D8C-9F63-2AF7560B84D1}" type="slidenum">
               <a:rPr lang="en-GB" smtClean="0"/>
-              <a:t>4</a:t>
+              <a:t>5</a:t>
             </a:fld>
             <a:endParaRPr lang="en-GB"/>
           </a:p>
@@ -8274,7 +9834,7 @@
         </p:blipFill>
         <p:spPr>
           <a:xfrm>
-            <a:off x="2202971" y="1270000"/>
+            <a:off x="1288571" y="1043705"/>
             <a:ext cx="2707429" cy="4782500"/>
           </a:xfrm>
           <a:prstGeom prst="rect">
@@ -8305,7 +9865,7 @@
         </p:blipFill>
         <p:spPr bwMode="auto">
           <a:xfrm>
-            <a:off x="2507933" y="1728077"/>
+            <a:off x="1593533" y="1501782"/>
             <a:ext cx="2122488" cy="821960"/>
           </a:xfrm>
           <a:prstGeom prst="rect">
@@ -8349,7 +9909,7 @@
         </p:blipFill>
         <p:spPr bwMode="auto">
           <a:xfrm>
-            <a:off x="2508403" y="2550036"/>
+            <a:off x="1594003" y="2323741"/>
             <a:ext cx="2120748" cy="2867993"/>
           </a:xfrm>
           <a:prstGeom prst="rect">
@@ -8383,7 +9943,7 @@
         </p:blipFill>
         <p:spPr>
           <a:xfrm>
-            <a:off x="3164552" y="2574791"/>
+            <a:off x="2250152" y="2481846"/>
             <a:ext cx="784266" cy="784266"/>
           </a:xfrm>
           <a:prstGeom prst="rect">
@@ -8399,7 +9959,7 @@
         </p:nvSpPr>
         <p:spPr>
           <a:xfrm>
-            <a:off x="3164553" y="2339546"/>
+            <a:off x="2250153" y="2113251"/>
             <a:ext cx="784264" cy="215033"/>
           </a:xfrm>
           <a:prstGeom prst="roundRect">
@@ -8457,7 +10017,7 @@
         </p:nvSpPr>
         <p:spPr>
           <a:xfrm>
-            <a:off x="2507133" y="3359057"/>
+            <a:off x="1592733" y="3266112"/>
             <a:ext cx="2122018" cy="246221"/>
           </a:xfrm>
           <a:prstGeom prst="rect">
@@ -8496,7 +10056,7 @@
         </p:nvSpPr>
         <p:spPr>
           <a:xfrm>
-            <a:off x="2507133" y="3534031"/>
+            <a:off x="1592733" y="3441086"/>
             <a:ext cx="2122018" cy="184666"/>
           </a:xfrm>
           <a:prstGeom prst="rect">
@@ -8535,7 +10095,7 @@
         </p:nvSpPr>
         <p:spPr>
           <a:xfrm>
-            <a:off x="2593329" y="4375881"/>
+            <a:off x="1678929" y="4282936"/>
             <a:ext cx="1974035" cy="163227"/>
           </a:xfrm>
           <a:prstGeom prst="roundRect">
@@ -8595,7 +10155,7 @@
         </p:blipFill>
         <p:spPr>
           <a:xfrm>
-            <a:off x="3948817" y="3245637"/>
+            <a:off x="3034417" y="3152692"/>
             <a:ext cx="82343" cy="82343"/>
           </a:xfrm>
           <a:prstGeom prst="rect">
@@ -8611,7 +10171,7 @@
         </p:nvSpPr>
         <p:spPr>
           <a:xfrm>
-            <a:off x="3954549" y="3199674"/>
+            <a:off x="3040149" y="3106729"/>
             <a:ext cx="733874" cy="184666"/>
           </a:xfrm>
           <a:prstGeom prst="rect">
@@ -8658,7 +10218,7 @@
         </p:blipFill>
         <p:spPr>
           <a:xfrm>
-            <a:off x="2525143" y="2359065"/>
+            <a:off x="1610743" y="2132770"/>
             <a:ext cx="218394" cy="164649"/>
           </a:xfrm>
           <a:prstGeom prst="rect">
@@ -8674,7 +10234,7 @@
         </p:nvSpPr>
         <p:spPr>
           <a:xfrm>
-            <a:off x="4070978" y="5105827"/>
+            <a:off x="3156578" y="4879532"/>
             <a:ext cx="558173" cy="253916"/>
           </a:xfrm>
           <a:prstGeom prst="rect">
@@ -8720,7 +10280,7 @@
         </p:blipFill>
         <p:spPr>
           <a:xfrm>
-            <a:off x="2633114" y="4417806"/>
+            <a:off x="1718714" y="4324861"/>
             <a:ext cx="93479" cy="58425"/>
           </a:xfrm>
           <a:prstGeom prst="rect">
@@ -8736,7 +10296,7 @@
         </p:nvSpPr>
         <p:spPr>
           <a:xfrm>
-            <a:off x="2665564" y="4354443"/>
+            <a:off x="1751164" y="4261498"/>
             <a:ext cx="744114" cy="200055"/>
           </a:xfrm>
           <a:prstGeom prst="rect">
@@ -8780,7 +10340,7 @@
         </p:nvSpPr>
         <p:spPr>
           <a:xfrm>
-            <a:off x="2593329" y="4672735"/>
+            <a:off x="1678929" y="4579790"/>
             <a:ext cx="1974035" cy="163227"/>
           </a:xfrm>
           <a:prstGeom prst="roundRect">
@@ -8840,7 +10400,7 @@
         </p:blipFill>
         <p:spPr>
           <a:xfrm>
-            <a:off x="2626610" y="4705047"/>
+            <a:off x="1712210" y="4612102"/>
             <a:ext cx="106486" cy="106486"/>
           </a:xfrm>
           <a:prstGeom prst="rect">
@@ -8856,7 +10416,7 @@
         </p:nvSpPr>
         <p:spPr>
           <a:xfrm>
-            <a:off x="2665564" y="4659520"/>
+            <a:off x="1751164" y="4566575"/>
             <a:ext cx="840295" cy="200055"/>
           </a:xfrm>
           <a:prstGeom prst="rect">
@@ -8900,7 +10460,7 @@
         </p:nvSpPr>
         <p:spPr>
           <a:xfrm>
-            <a:off x="2593330" y="3776846"/>
+            <a:off x="1678930" y="3683901"/>
             <a:ext cx="1974035" cy="163227"/>
           </a:xfrm>
           <a:prstGeom prst="roundRect">
@@ -8960,7 +10520,7 @@
         </p:blipFill>
         <p:spPr>
           <a:xfrm>
-            <a:off x="2614770" y="3806604"/>
+            <a:off x="1700370" y="3713659"/>
             <a:ext cx="109134" cy="91880"/>
           </a:xfrm>
           <a:prstGeom prst="rect">
@@ -8976,7 +10536,7 @@
         </p:nvSpPr>
         <p:spPr>
           <a:xfrm>
-            <a:off x="2647999" y="3758548"/>
+            <a:off x="1733599" y="3665603"/>
             <a:ext cx="479618" cy="200055"/>
           </a:xfrm>
           <a:prstGeom prst="rect">
@@ -9020,7 +10580,7 @@
         </p:nvSpPr>
         <p:spPr>
           <a:xfrm>
-            <a:off x="2581489" y="4069196"/>
+            <a:off x="1667089" y="3976251"/>
             <a:ext cx="1974035" cy="163227"/>
           </a:xfrm>
           <a:prstGeom prst="roundRect">
@@ -9080,7 +10640,7 @@
         </p:blipFill>
         <p:spPr>
           <a:xfrm>
-            <a:off x="2607286" y="4092322"/>
+            <a:off x="1692886" y="3999377"/>
             <a:ext cx="116618" cy="116618"/>
           </a:xfrm>
           <a:prstGeom prst="rect">
@@ -9096,7 +10656,7 @@
         </p:nvSpPr>
         <p:spPr>
           <a:xfrm>
-            <a:off x="2665564" y="4053943"/>
+            <a:off x="1751164" y="3960998"/>
             <a:ext cx="561372" cy="200055"/>
           </a:xfrm>
           <a:prstGeom prst="rect">
@@ -9140,7 +10700,7 @@
         </p:nvSpPr>
         <p:spPr>
           <a:xfrm rot="10800000">
-            <a:off x="4389887" y="4113189"/>
+            <a:off x="3475487" y="4020244"/>
             <a:ext cx="113533" cy="51229"/>
           </a:xfrm>
           <a:prstGeom prst="triangle">
@@ -9178,6 +10738,36 @@
           </a:p>
         </p:txBody>
       </p:sp>
+      <p:sp>
+        <p:nvSpPr>
+          <p:cNvPr id="32" name="Title 1"/>
+          <p:cNvSpPr>
+            <a:spLocks noGrp="1"/>
+          </p:cNvSpPr>
+          <p:nvPr>
+            <p:ph type="title"/>
+          </p:nvPr>
+        </p:nvSpPr>
+        <p:spPr>
+          <a:xfrm>
+            <a:off x="677334" y="234776"/>
+            <a:ext cx="8596668" cy="593773"/>
+          </a:xfrm>
+        </p:spPr>
+        <p:txBody>
+          <a:bodyPr>
+            <a:normAutofit fontScale="90000"/>
+          </a:bodyPr>
+          <a:lstStyle/>
+          <a:p>
+            <a:r>
+              <a:rPr lang="en-GB" dirty="0" smtClean="0"/>
+              <a:t>Profile</a:t>
+            </a:r>
+            <a:endParaRPr lang="en-GB" dirty="0"/>
+          </a:p>
+        </p:txBody>
+      </p:sp>
     </p:spTree>
     <p:extLst>
       <p:ext uri="{BB962C8B-B14F-4D97-AF65-F5344CB8AC3E}">
@@ -9194,7 +10784,7 @@
 <file path=ppt/theme/theme1.xml><?xml version="1.0" encoding="utf-8"?>
 <a:theme xmlns:a="http://schemas.openxmlformats.org/drawingml/2006/main" name="Facet">
   <a:themeElements>
-    <a:clrScheme name="Facet">
+    <a:clrScheme name="Blue Green">
       <a:dk1>
         <a:sysClr val="windowText" lastClr="000000"/>
       </a:dk1>
@@ -9202,34 +10792,34 @@
         <a:sysClr val="window" lastClr="FFFFFF"/>
       </a:lt1>
       <a:dk2>
-        <a:srgbClr val="2C3C43"/>
+        <a:srgbClr val="373545"/>
       </a:dk2>
       <a:lt2>
-        <a:srgbClr val="EBEBEB"/>
+        <a:srgbClr val="CEDBE6"/>
       </a:lt2>
       <a:accent1>
-        <a:srgbClr val="90C226"/>
+        <a:srgbClr val="3494BA"/>
       </a:accent1>
       <a:accent2>
-        <a:srgbClr val="54A021"/>
+        <a:srgbClr val="58B6C0"/>
       </a:accent2>
       <a:accent3>
-        <a:srgbClr val="E6B91E"/>
+        <a:srgbClr val="75BDA7"/>
       </a:accent3>
       <a:accent4>
-        <a:srgbClr val="E76618"/>
+        <a:srgbClr val="7A8C8E"/>
       </a:accent4>
       <a:accent5>
-        <a:srgbClr val="C42F1A"/>
+        <a:srgbClr val="84ACB6"/>
       </a:accent5>
       <a:accent6>
-        <a:srgbClr val="918655"/>
+        <a:srgbClr val="2683C6"/>
       </a:accent6>
       <a:hlink>
-        <a:srgbClr val="99CA3C"/>
+        <a:srgbClr val="6B9F25"/>
       </a:hlink>
       <a:folHlink>
-        <a:srgbClr val="B9D181"/>
+        <a:srgbClr val="9F6715"/>
       </a:folHlink>
     </a:clrScheme>
     <a:fontScheme name="Facet">
